--- a/Presentation.pptx
+++ b/Presentation.pptx
@@ -1,18 +1,19 @@
 
 <file path=ppt/presentation.xml><?xml version="1.0" encoding="utf-8"?>
-<p:presentation xmlns:a="http://schemas.openxmlformats.org/drawingml/2006/main" xmlns:r="http://schemas.openxmlformats.org/officeDocument/2006/relationships" xmlns:p="http://schemas.openxmlformats.org/presentationml/2006/main" saveSubsetFonts="1">
+<p:presentation xmlns:a="http://schemas.openxmlformats.org/drawingml/2006/main" xmlns:r="http://schemas.openxmlformats.org/officeDocument/2006/relationships" xmlns:p="http://schemas.openxmlformats.org/presentationml/2006/main">
   <p:sldMasterIdLst>
-    <p:sldMasterId id="2147483711" r:id="rId1"/>
+    <p:sldMasterId id="2147483648" r:id="rId1"/>
   </p:sldMasterIdLst>
   <p:sldIdLst>
-    <p:sldId id="256" r:id="rId2"/>
-    <p:sldId id="257" r:id="rId3"/>
-    <p:sldId id="258" r:id="rId4"/>
-    <p:sldId id="259" r:id="rId5"/>
-    <p:sldId id="260" r:id="rId6"/>
-    <p:sldId id="263" r:id="rId7"/>
-    <p:sldId id="264" r:id="rId8"/>
-    <p:sldId id="262" r:id="rId9"/>
+    <p:sldId id="256" r:id="rId3"/>
+    <p:sldId id="257" r:id="rId4"/>
+    <p:sldId id="266" r:id="rId5"/>
+    <p:sldId id="258" r:id="rId6"/>
+    <p:sldId id="259" r:id="rId7"/>
+    <p:sldId id="260" r:id="rId8"/>
+    <p:sldId id="263" r:id="rId9"/>
+    <p:sldId id="264" r:id="rId10"/>
+    <p:sldId id="262" r:id="rId11"/>
   </p:sldIdLst>
   <p:sldSz cx="12192000" cy="6858000"/>
   <p:notesSz cx="6858000" cy="9144000"/>
@@ -111,24 +112,7 @@
       </a:defRPr>
     </a:lvl9pPr>
   </p:defaultTextStyle>
-  <p:extLst>
-    <p:ext uri="{EFAFB233-063F-42B5-8137-9DF3F51BA10A}">
-      <p15:sldGuideLst xmlns:p15="http://schemas.microsoft.com/office/powerpoint/2012/main"/>
-    </p:ext>
-  </p:extLst>
 </p:presentation>
-</file>
-
-<file path=ppt/revisionInfo.xml><?xml version="1.0" encoding="utf-8"?>
-<p1510:revInfo xmlns:a="http://schemas.openxmlformats.org/drawingml/2006/main" xmlns:r="http://schemas.openxmlformats.org/officeDocument/2006/relationships" xmlns:p1510="http://schemas.microsoft.com/office/powerpoint/2015/10/main">
-  <p1510:revLst>
-    <p1510:client id="{0723C4E7-8381-4C35-99BF-150ED3F50F9D}" v="55" dt="2022-05-14T05:48:13.930"/>
-    <p1510:client id="{6148948A-8B9D-4AB8-A02D-A07A7AE65EFB}" v="496" dt="2022-05-12T19:35:33.122"/>
-    <p1510:client id="{810CC31A-8713-4BE0-959C-747769B7D152}" v="2" dt="2022-05-14T13:02:14.163"/>
-    <p1510:client id="{C5416320-640E-4DD7-A318-CF6B5E5385C3}" v="1016" dt="2022-05-13T17:52:51.712"/>
-    <p1510:client id="{D54A12E4-B509-4313-8A9A-E36A22934473}" v="108" dt="2022-05-10T13:14:33.888"/>
-  </p1510:revLst>
-</p1510:revInfo>
 </file>
 
 <file path=ppt/slideLayouts/slideLayout1.xml><?xml version="1.0" encoding="utf-8"?>
@@ -150,13 +134,7 @@
       </p:grpSpPr>
       <p:sp>
         <p:nvSpPr>
-          <p:cNvPr id="2" name="Title 1">
-            <a:extLst>
-              <a:ext uri="{FF2B5EF4-FFF2-40B4-BE49-F238E27FC236}">
-                <a16:creationId xmlns:a16="http://schemas.microsoft.com/office/drawing/2014/main" id="{E0EB8136-4330-4480-80D9-0F6FD970617C}"/>
-              </a:ext>
-            </a:extLst>
-          </p:cNvPr>
+          <p:cNvPr id="2" name="Title 1"/>
           <p:cNvSpPr>
             <a:spLocks noGrp="1"/>
           </p:cNvSpPr>
@@ -184,18 +162,13 @@
               <a:rPr lang="en-US" dirty="0"/>
               <a:t>Click to edit Master title style</a:t>
             </a:r>
-          </a:p>
-        </p:txBody>
-      </p:sp>
-      <p:sp>
-        <p:nvSpPr>
-          <p:cNvPr id="3" name="Subtitle 2">
-            <a:extLst>
-              <a:ext uri="{FF2B5EF4-FFF2-40B4-BE49-F238E27FC236}">
-                <a16:creationId xmlns:a16="http://schemas.microsoft.com/office/drawing/2014/main" id="{566E5739-DD96-45FB-B609-3E3447A52FED}"/>
-              </a:ext>
-            </a:extLst>
-          </p:cNvPr>
+            <a:endParaRPr lang="en-US" dirty="0"/>
+          </a:p>
+        </p:txBody>
+      </p:sp>
+      <p:sp>
+        <p:nvSpPr>
+          <p:cNvPr id="3" name="Subtitle 2"/>
           <p:cNvSpPr>
             <a:spLocks noGrp="1"/>
           </p:cNvSpPr>
@@ -256,18 +229,13 @@
               <a:rPr lang="en-US" dirty="0"/>
               <a:t>Click to edit Master subtitle style</a:t>
             </a:r>
-          </a:p>
-        </p:txBody>
-      </p:sp>
-      <p:sp>
-        <p:nvSpPr>
-          <p:cNvPr id="4" name="Date Placeholder 3">
-            <a:extLst>
-              <a:ext uri="{FF2B5EF4-FFF2-40B4-BE49-F238E27FC236}">
-                <a16:creationId xmlns:a16="http://schemas.microsoft.com/office/drawing/2014/main" id="{1B9FF558-51F9-42A2-9944-DBE23DA8B224}"/>
-              </a:ext>
-            </a:extLst>
-          </p:cNvPr>
+            <a:endParaRPr lang="en-US" dirty="0"/>
+          </a:p>
+        </p:txBody>
+      </p:sp>
+      <p:sp>
+        <p:nvSpPr>
+          <p:cNvPr id="4" name="Date Placeholder 3"/>
           <p:cNvSpPr>
             <a:spLocks noGrp="1"/>
           </p:cNvSpPr>
@@ -287,7 +255,6 @@
           <a:p>
             <a:fld id="{02AC24A9-CCB6-4F8D-B8DB-C2F3692CFA5A}" type="datetimeFigureOut">
               <a:rPr lang="en-US" smtClean="0"/>
-              <a:t>5/14/2022</a:t>
             </a:fld>
             <a:endParaRPr lang="en-US" dirty="0"/>
           </a:p>
@@ -295,13 +262,7 @@
       </p:sp>
       <p:sp>
         <p:nvSpPr>
-          <p:cNvPr id="5" name="Footer Placeholder 4">
-            <a:extLst>
-              <a:ext uri="{FF2B5EF4-FFF2-40B4-BE49-F238E27FC236}">
-                <a16:creationId xmlns:a16="http://schemas.microsoft.com/office/drawing/2014/main" id="{8B8C0E86-A7F7-4BDC-A637-254E5252DED5}"/>
-              </a:ext>
-            </a:extLst>
-          </p:cNvPr>
+          <p:cNvPr id="5" name="Footer Placeholder 4"/>
           <p:cNvSpPr>
             <a:spLocks noGrp="1"/>
           </p:cNvSpPr>
@@ -320,13 +281,7 @@
       </p:sp>
       <p:sp>
         <p:nvSpPr>
-          <p:cNvPr id="6" name="Slide Number Placeholder 5">
-            <a:extLst>
-              <a:ext uri="{FF2B5EF4-FFF2-40B4-BE49-F238E27FC236}">
-                <a16:creationId xmlns:a16="http://schemas.microsoft.com/office/drawing/2014/main" id="{C3D10ADE-E9DA-4E57-BF57-1CCB65219839}"/>
-              </a:ext>
-            </a:extLst>
-          </p:cNvPr>
+          <p:cNvPr id="6" name="Slide Number Placeholder 5"/>
           <p:cNvSpPr>
             <a:spLocks noGrp="1"/>
           </p:cNvSpPr>
@@ -346,7 +301,6 @@
           <a:p>
             <a:fld id="{B2DC25EE-239B-4C5F-AAD1-255A7D5F1EE2}" type="slidenum">
               <a:rPr lang="en-US" smtClean="0"/>
-              <a:t>‹#›</a:t>
             </a:fld>
             <a:endParaRPr lang="en-US" dirty="0"/>
           </a:p>
@@ -354,13 +308,7 @@
       </p:sp>
       <p:sp>
         <p:nvSpPr>
-          <p:cNvPr id="8" name="Rectangle 7">
-            <a:extLst>
-              <a:ext uri="{FF2B5EF4-FFF2-40B4-BE49-F238E27FC236}">
-                <a16:creationId xmlns:a16="http://schemas.microsoft.com/office/drawing/2014/main" id="{8D06CE56-3881-4ADA-8CEF-D18B02C242A3}"/>
-              </a:ext>
-            </a:extLst>
-          </p:cNvPr>
+          <p:cNvPr id="8" name="Rectangle 7"/>
           <p:cNvSpPr/>
           <p:nvPr/>
         </p:nvSpPr>
@@ -413,7 +361,6 @@
               <a:buSzTx/>
               <a:buFontTx/>
               <a:buNone/>
-              <a:tabLst/>
               <a:defRPr/>
             </a:pPr>
             <a:endParaRPr kumimoji="0" lang="en-US" sz="1800" b="0" i="0" u="none" strike="noStrike" kern="1200" cap="none" spc="0" normalizeH="0" baseline="0" noProof="0">
@@ -435,13 +382,7 @@
       </p:sp>
       <p:sp>
         <p:nvSpPr>
-          <p:cNvPr id="10" name="Rectangle 9">
-            <a:extLst>
-              <a:ext uri="{FF2B5EF4-FFF2-40B4-BE49-F238E27FC236}">
-                <a16:creationId xmlns:a16="http://schemas.microsoft.com/office/drawing/2014/main" id="{79F3C543-62EC-4433-9C93-A2CD8764E9B4}"/>
-              </a:ext>
-            </a:extLst>
-          </p:cNvPr>
+          <p:cNvPr id="10" name="Rectangle 9"/>
           <p:cNvSpPr/>
           <p:nvPr/>
         </p:nvSpPr>
@@ -498,7 +439,6 @@
               <a:buSzTx/>
               <a:buFontTx/>
               <a:buNone/>
-              <a:tabLst/>
               <a:defRPr/>
             </a:pPr>
             <a:endParaRPr kumimoji="0" lang="en-US" sz="1800" b="0" i="0" u="none" strike="noStrike" kern="1200" cap="none" spc="0" normalizeH="0" baseline="0" noProof="0">
@@ -519,11 +459,6 @@
         </p:txBody>
       </p:sp>
     </p:spTree>
-    <p:extLst>
-      <p:ext uri="{BB962C8B-B14F-4D97-AF65-F5344CB8AC3E}">
-        <p14:creationId xmlns:p14="http://schemas.microsoft.com/office/powerpoint/2010/main" val="250028769"/>
-      </p:ext>
-    </p:extLst>
   </p:cSld>
   <p:clrMapOvr>
     <a:masterClrMapping/>
@@ -553,13 +488,7 @@
       </p:grpSpPr>
       <p:sp>
         <p:nvSpPr>
-          <p:cNvPr id="2" name="Title 1">
-            <a:extLst>
-              <a:ext uri="{FF2B5EF4-FFF2-40B4-BE49-F238E27FC236}">
-                <a16:creationId xmlns:a16="http://schemas.microsoft.com/office/drawing/2014/main" id="{90B32C18-E430-4EC7-BD7C-99D86D012231}"/>
-              </a:ext>
-            </a:extLst>
-          </p:cNvPr>
+          <p:cNvPr id="2" name="Title 1"/>
           <p:cNvSpPr>
             <a:spLocks noGrp="1"/>
           </p:cNvSpPr>
@@ -582,13 +511,7 @@
       </p:sp>
       <p:sp>
         <p:nvSpPr>
-          <p:cNvPr id="3" name="Vertical Text Placeholder 2">
-            <a:extLst>
-              <a:ext uri="{FF2B5EF4-FFF2-40B4-BE49-F238E27FC236}">
-                <a16:creationId xmlns:a16="http://schemas.microsoft.com/office/drawing/2014/main" id="{8FC5012F-7119-4D94-9717-3862E1C9384E}"/>
-              </a:ext>
-            </a:extLst>
-          </p:cNvPr>
+          <p:cNvPr id="3" name="Vertical Text Placeholder 2"/>
           <p:cNvSpPr>
             <a:spLocks noGrp="1"/>
           </p:cNvSpPr>
@@ -606,6 +529,7 @@
               <a:rPr lang="en-US"/>
               <a:t>Click to edit Master text styles</a:t>
             </a:r>
+            <a:endParaRPr lang="en-US"/>
           </a:p>
           <a:p>
             <a:pPr lvl="1"/>
@@ -613,6 +537,7 @@
               <a:rPr lang="en-US"/>
               <a:t>Second level</a:t>
             </a:r>
+            <a:endParaRPr lang="en-US"/>
           </a:p>
           <a:p>
             <a:pPr lvl="2"/>
@@ -620,6 +545,7 @@
               <a:rPr lang="en-US"/>
               <a:t>Third level</a:t>
             </a:r>
+            <a:endParaRPr lang="en-US"/>
           </a:p>
           <a:p>
             <a:pPr lvl="3"/>
@@ -627,6 +553,7 @@
               <a:rPr lang="en-US"/>
               <a:t>Fourth level</a:t>
             </a:r>
+            <a:endParaRPr lang="en-US"/>
           </a:p>
           <a:p>
             <a:pPr lvl="4"/>
@@ -634,18 +561,13 @@
               <a:rPr lang="en-US"/>
               <a:t>Fifth level</a:t>
             </a:r>
-          </a:p>
-        </p:txBody>
-      </p:sp>
-      <p:sp>
-        <p:nvSpPr>
-          <p:cNvPr id="4" name="Date Placeholder 3">
-            <a:extLst>
-              <a:ext uri="{FF2B5EF4-FFF2-40B4-BE49-F238E27FC236}">
-                <a16:creationId xmlns:a16="http://schemas.microsoft.com/office/drawing/2014/main" id="{19ED9A4A-D287-4207-9037-70DB007A1707}"/>
-              </a:ext>
-            </a:extLst>
-          </p:cNvPr>
+            <a:endParaRPr lang="en-US"/>
+          </a:p>
+        </p:txBody>
+      </p:sp>
+      <p:sp>
+        <p:nvSpPr>
+          <p:cNvPr id="4" name="Date Placeholder 3"/>
           <p:cNvSpPr>
             <a:spLocks noGrp="1"/>
           </p:cNvSpPr>
@@ -660,7 +582,6 @@
           <a:p>
             <a:fld id="{02AC24A9-CCB6-4F8D-B8DB-C2F3692CFA5A}" type="datetimeFigureOut">
               <a:rPr lang="en-US" smtClean="0"/>
-              <a:t>5/14/2022</a:t>
             </a:fld>
             <a:endParaRPr lang="en-US"/>
           </a:p>
@@ -668,13 +589,7 @@
       </p:sp>
       <p:sp>
         <p:nvSpPr>
-          <p:cNvPr id="5" name="Footer Placeholder 4">
-            <a:extLst>
-              <a:ext uri="{FF2B5EF4-FFF2-40B4-BE49-F238E27FC236}">
-                <a16:creationId xmlns:a16="http://schemas.microsoft.com/office/drawing/2014/main" id="{61ECFCAC-80DB-43BB-B3F1-AC22BACEE360}"/>
-              </a:ext>
-            </a:extLst>
-          </p:cNvPr>
+          <p:cNvPr id="5" name="Footer Placeholder 4"/>
           <p:cNvSpPr>
             <a:spLocks noGrp="1"/>
           </p:cNvSpPr>
@@ -693,13 +608,7 @@
       </p:sp>
       <p:sp>
         <p:nvSpPr>
-          <p:cNvPr id="6" name="Slide Number Placeholder 5">
-            <a:extLst>
-              <a:ext uri="{FF2B5EF4-FFF2-40B4-BE49-F238E27FC236}">
-                <a16:creationId xmlns:a16="http://schemas.microsoft.com/office/drawing/2014/main" id="{D7679730-3487-4D94-A0DC-C21684963AB3}"/>
-              </a:ext>
-            </a:extLst>
-          </p:cNvPr>
+          <p:cNvPr id="6" name="Slide Number Placeholder 5"/>
           <p:cNvSpPr>
             <a:spLocks noGrp="1"/>
           </p:cNvSpPr>
@@ -714,18 +623,12 @@
           <a:p>
             <a:fld id="{B2DC25EE-239B-4C5F-AAD1-255A7D5F1EE2}" type="slidenum">
               <a:rPr lang="en-US" smtClean="0"/>
-              <a:t>‹#›</a:t>
             </a:fld>
             <a:endParaRPr lang="en-US"/>
           </a:p>
         </p:txBody>
       </p:sp>
     </p:spTree>
-    <p:extLst>
-      <p:ext uri="{BB962C8B-B14F-4D97-AF65-F5344CB8AC3E}">
-        <p14:creationId xmlns:p14="http://schemas.microsoft.com/office/powerpoint/2010/main" val="1763291365"/>
-      </p:ext>
-    </p:extLst>
   </p:cSld>
   <p:clrMapOvr>
     <a:masterClrMapping/>
@@ -755,13 +658,7 @@
       </p:grpSpPr>
       <p:sp>
         <p:nvSpPr>
-          <p:cNvPr id="2" name="Vertical Title 1">
-            <a:extLst>
-              <a:ext uri="{FF2B5EF4-FFF2-40B4-BE49-F238E27FC236}">
-                <a16:creationId xmlns:a16="http://schemas.microsoft.com/office/drawing/2014/main" id="{B543C89D-929E-4CD1-BCCC-72A14C0335D6}"/>
-              </a:ext>
-            </a:extLst>
-          </p:cNvPr>
+          <p:cNvPr id="2" name="Vertical Title 1"/>
           <p:cNvSpPr>
             <a:spLocks noGrp="1"/>
           </p:cNvSpPr>
@@ -789,13 +686,7 @@
       </p:sp>
       <p:sp>
         <p:nvSpPr>
-          <p:cNvPr id="3" name="Vertical Text Placeholder 2">
-            <a:extLst>
-              <a:ext uri="{FF2B5EF4-FFF2-40B4-BE49-F238E27FC236}">
-                <a16:creationId xmlns:a16="http://schemas.microsoft.com/office/drawing/2014/main" id="{FED450EA-A577-4B76-A12F-650BEB20FD8D}"/>
-              </a:ext>
-            </a:extLst>
-          </p:cNvPr>
+          <p:cNvPr id="3" name="Vertical Text Placeholder 2"/>
           <p:cNvSpPr>
             <a:spLocks noGrp="1"/>
           </p:cNvSpPr>
@@ -818,6 +709,7 @@
               <a:rPr lang="en-US"/>
               <a:t>Click to edit Master text styles</a:t>
             </a:r>
+            <a:endParaRPr lang="en-US"/>
           </a:p>
           <a:p>
             <a:pPr lvl="1"/>
@@ -825,6 +717,7 @@
               <a:rPr lang="en-US"/>
               <a:t>Second level</a:t>
             </a:r>
+            <a:endParaRPr lang="en-US"/>
           </a:p>
           <a:p>
             <a:pPr lvl="2"/>
@@ -832,6 +725,7 @@
               <a:rPr lang="en-US"/>
               <a:t>Third level</a:t>
             </a:r>
+            <a:endParaRPr lang="en-US"/>
           </a:p>
           <a:p>
             <a:pPr lvl="3"/>
@@ -839,6 +733,7 @@
               <a:rPr lang="en-US"/>
               <a:t>Fourth level</a:t>
             </a:r>
+            <a:endParaRPr lang="en-US"/>
           </a:p>
           <a:p>
             <a:pPr lvl="4"/>
@@ -846,18 +741,13 @@
               <a:rPr lang="en-US"/>
               <a:t>Fifth level</a:t>
             </a:r>
-          </a:p>
-        </p:txBody>
-      </p:sp>
-      <p:sp>
-        <p:nvSpPr>
-          <p:cNvPr id="4" name="Date Placeholder 3">
-            <a:extLst>
-              <a:ext uri="{FF2B5EF4-FFF2-40B4-BE49-F238E27FC236}">
-                <a16:creationId xmlns:a16="http://schemas.microsoft.com/office/drawing/2014/main" id="{41D2603B-9ACE-4FA9-805B-9B91EB63DF7D}"/>
-              </a:ext>
-            </a:extLst>
-          </p:cNvPr>
+            <a:endParaRPr lang="en-US"/>
+          </a:p>
+        </p:txBody>
+      </p:sp>
+      <p:sp>
+        <p:nvSpPr>
+          <p:cNvPr id="4" name="Date Placeholder 3"/>
           <p:cNvSpPr>
             <a:spLocks noGrp="1"/>
           </p:cNvSpPr>
@@ -872,7 +762,6 @@
           <a:p>
             <a:fld id="{02AC24A9-CCB6-4F8D-B8DB-C2F3692CFA5A}" type="datetimeFigureOut">
               <a:rPr lang="en-US" smtClean="0"/>
-              <a:t>5/14/2022</a:t>
             </a:fld>
             <a:endParaRPr lang="en-US"/>
           </a:p>
@@ -880,13 +769,7 @@
       </p:sp>
       <p:sp>
         <p:nvSpPr>
-          <p:cNvPr id="5" name="Footer Placeholder 4">
-            <a:extLst>
-              <a:ext uri="{FF2B5EF4-FFF2-40B4-BE49-F238E27FC236}">
-                <a16:creationId xmlns:a16="http://schemas.microsoft.com/office/drawing/2014/main" id="{7ECE18AC-D6A9-4A61-885D-68E2B684A438}"/>
-              </a:ext>
-            </a:extLst>
-          </p:cNvPr>
+          <p:cNvPr id="5" name="Footer Placeholder 4"/>
           <p:cNvSpPr>
             <a:spLocks noGrp="1"/>
           </p:cNvSpPr>
@@ -905,13 +788,7 @@
       </p:sp>
       <p:sp>
         <p:nvSpPr>
-          <p:cNvPr id="6" name="Slide Number Placeholder 5">
-            <a:extLst>
-              <a:ext uri="{FF2B5EF4-FFF2-40B4-BE49-F238E27FC236}">
-                <a16:creationId xmlns:a16="http://schemas.microsoft.com/office/drawing/2014/main" id="{75197AE4-AA47-4E14-8FFE-171FAE47F49E}"/>
-              </a:ext>
-            </a:extLst>
-          </p:cNvPr>
+          <p:cNvPr id="6" name="Slide Number Placeholder 5"/>
           <p:cNvSpPr>
             <a:spLocks noGrp="1"/>
           </p:cNvSpPr>
@@ -926,18 +803,12 @@
           <a:p>
             <a:fld id="{B2DC25EE-239B-4C5F-AAD1-255A7D5F1EE2}" type="slidenum">
               <a:rPr lang="en-US" smtClean="0"/>
-              <a:t>‹#›</a:t>
             </a:fld>
             <a:endParaRPr lang="en-US"/>
           </a:p>
         </p:txBody>
       </p:sp>
     </p:spTree>
-    <p:extLst>
-      <p:ext uri="{BB962C8B-B14F-4D97-AF65-F5344CB8AC3E}">
-        <p14:creationId xmlns:p14="http://schemas.microsoft.com/office/powerpoint/2010/main" val="1669961489"/>
-      </p:ext>
-    </p:extLst>
   </p:cSld>
   <p:clrMapOvr>
     <a:masterClrMapping/>
@@ -967,13 +838,7 @@
       </p:grpSpPr>
       <p:sp useBgFill="1">
         <p:nvSpPr>
-          <p:cNvPr id="8" name="Rectangle 7">
-            <a:extLst>
-              <a:ext uri="{FF2B5EF4-FFF2-40B4-BE49-F238E27FC236}">
-                <a16:creationId xmlns:a16="http://schemas.microsoft.com/office/drawing/2014/main" id="{2D6FBB9D-1CAA-4D05-AB33-BABDFE17B843}"/>
-              </a:ext>
-            </a:extLst>
-          </p:cNvPr>
+          <p:cNvPr id="8" name="Rectangle 7"/>
           <p:cNvSpPr/>
           <p:nvPr/>
         </p:nvSpPr>
@@ -1036,7 +901,6 @@
               <a:buSzTx/>
               <a:buFontTx/>
               <a:buNone/>
-              <a:tabLst/>
               <a:defRPr/>
             </a:pPr>
             <a:endParaRPr kumimoji="0" lang="en-US" sz="1800" b="0" i="0" u="none" strike="noStrike" kern="1200" cap="none" spc="0" normalizeH="0" baseline="0" noProof="0">
@@ -1058,13 +922,7 @@
       </p:sp>
       <p:sp useBgFill="1">
         <p:nvSpPr>
-          <p:cNvPr id="10" name="Rectangle 9">
-            <a:extLst>
-              <a:ext uri="{FF2B5EF4-FFF2-40B4-BE49-F238E27FC236}">
-                <a16:creationId xmlns:a16="http://schemas.microsoft.com/office/drawing/2014/main" id="{04727B71-B4B6-4823-80A1-68C40B475118}"/>
-              </a:ext>
-            </a:extLst>
-          </p:cNvPr>
+          <p:cNvPr id="10" name="Rectangle 9"/>
           <p:cNvSpPr/>
           <p:nvPr/>
         </p:nvSpPr>
@@ -1115,7 +973,6 @@
               <a:buSzTx/>
               <a:buFontTx/>
               <a:buNone/>
-              <a:tabLst/>
               <a:defRPr/>
             </a:pPr>
             <a:endParaRPr kumimoji="0" lang="en-US" sz="1800" b="0" i="0" u="none" strike="noStrike" kern="1200" cap="none" spc="0" normalizeH="0" baseline="0" noProof="0">
@@ -1137,13 +994,7 @@
       </p:sp>
       <p:sp>
         <p:nvSpPr>
-          <p:cNvPr id="12" name="Rectangle 11">
-            <a:extLst>
-              <a:ext uri="{FF2B5EF4-FFF2-40B4-BE49-F238E27FC236}">
-                <a16:creationId xmlns:a16="http://schemas.microsoft.com/office/drawing/2014/main" id="{79A6DB05-9FB5-4B07-8675-74C23D4FD89D}"/>
-              </a:ext>
-            </a:extLst>
-          </p:cNvPr>
+          <p:cNvPr id="12" name="Rectangle 11"/>
           <p:cNvSpPr/>
           <p:nvPr/>
         </p:nvSpPr>
@@ -1196,7 +1047,6 @@
               <a:buSzTx/>
               <a:buFontTx/>
               <a:buNone/>
-              <a:tabLst/>
               <a:defRPr/>
             </a:pPr>
             <a:endParaRPr kumimoji="0" lang="en-US" sz="1800" b="0" i="0" u="none" strike="noStrike" kern="1200" cap="none" spc="0" normalizeH="0" baseline="0" noProof="0">
@@ -1218,13 +1068,7 @@
       </p:sp>
       <p:sp>
         <p:nvSpPr>
-          <p:cNvPr id="2" name="Title 1">
-            <a:extLst>
-              <a:ext uri="{FF2B5EF4-FFF2-40B4-BE49-F238E27FC236}">
-                <a16:creationId xmlns:a16="http://schemas.microsoft.com/office/drawing/2014/main" id="{48D358CF-0758-490A-A084-C46443B9ABE8}"/>
-              </a:ext>
-            </a:extLst>
-          </p:cNvPr>
+          <p:cNvPr id="2" name="Title 1"/>
           <p:cNvSpPr>
             <a:spLocks noGrp="1"/>
           </p:cNvSpPr>
@@ -1252,18 +1096,13 @@
               <a:rPr lang="en-US" dirty="0"/>
               <a:t>Click to edit Master title style</a:t>
             </a:r>
-          </a:p>
-        </p:txBody>
-      </p:sp>
-      <p:sp>
-        <p:nvSpPr>
-          <p:cNvPr id="3" name="Content Placeholder 2">
-            <a:extLst>
-              <a:ext uri="{FF2B5EF4-FFF2-40B4-BE49-F238E27FC236}">
-                <a16:creationId xmlns:a16="http://schemas.microsoft.com/office/drawing/2014/main" id="{21671183-B3CE-4F45-92FB-98290CA0E2CA}"/>
-              </a:ext>
-            </a:extLst>
-          </p:cNvPr>
+            <a:endParaRPr lang="en-US" dirty="0"/>
+          </a:p>
+        </p:txBody>
+      </p:sp>
+      <p:sp>
+        <p:nvSpPr>
+          <p:cNvPr id="3" name="Content Placeholder 2"/>
           <p:cNvSpPr>
             <a:spLocks noGrp="1"/>
           </p:cNvSpPr>
@@ -1286,6 +1125,7 @@
               <a:rPr lang="en-US" dirty="0"/>
               <a:t>Click to edit Master text styles</a:t>
             </a:r>
+            <a:endParaRPr lang="en-US" dirty="0"/>
           </a:p>
           <a:p>
             <a:pPr lvl="1"/>
@@ -1293,6 +1133,7 @@
               <a:rPr lang="en-US" dirty="0"/>
               <a:t>Second level</a:t>
             </a:r>
+            <a:endParaRPr lang="en-US" dirty="0"/>
           </a:p>
           <a:p>
             <a:pPr lvl="2"/>
@@ -1300,6 +1141,7 @@
               <a:rPr lang="en-US" dirty="0"/>
               <a:t>Third level</a:t>
             </a:r>
+            <a:endParaRPr lang="en-US" dirty="0"/>
           </a:p>
           <a:p>
             <a:pPr lvl="3"/>
@@ -1307,6 +1149,7 @@
               <a:rPr lang="en-US" dirty="0"/>
               <a:t>Fourth level</a:t>
             </a:r>
+            <a:endParaRPr lang="en-US" dirty="0"/>
           </a:p>
           <a:p>
             <a:pPr lvl="4"/>
@@ -1314,18 +1157,13 @@
               <a:rPr lang="en-US" dirty="0"/>
               <a:t>Fifth level</a:t>
             </a:r>
-          </a:p>
-        </p:txBody>
-      </p:sp>
-      <p:sp>
-        <p:nvSpPr>
-          <p:cNvPr id="4" name="Date Placeholder 3">
-            <a:extLst>
-              <a:ext uri="{FF2B5EF4-FFF2-40B4-BE49-F238E27FC236}">
-                <a16:creationId xmlns:a16="http://schemas.microsoft.com/office/drawing/2014/main" id="{3D7DED67-27EC-4D43-A21C-093C1DB04813}"/>
-              </a:ext>
-            </a:extLst>
-          </p:cNvPr>
+            <a:endParaRPr lang="en-US" dirty="0"/>
+          </a:p>
+        </p:txBody>
+      </p:sp>
+      <p:sp>
+        <p:nvSpPr>
+          <p:cNvPr id="4" name="Date Placeholder 3"/>
           <p:cNvSpPr>
             <a:spLocks noGrp="1"/>
           </p:cNvSpPr>
@@ -1345,7 +1183,6 @@
           <a:p>
             <a:fld id="{02AC24A9-CCB6-4F8D-B8DB-C2F3692CFA5A}" type="datetimeFigureOut">
               <a:rPr lang="en-US" smtClean="0"/>
-              <a:t>5/14/2022</a:t>
             </a:fld>
             <a:endParaRPr lang="en-US"/>
           </a:p>
@@ -1353,13 +1190,7 @@
       </p:sp>
       <p:sp>
         <p:nvSpPr>
-          <p:cNvPr id="5" name="Footer Placeholder 4">
-            <a:extLst>
-              <a:ext uri="{FF2B5EF4-FFF2-40B4-BE49-F238E27FC236}">
-                <a16:creationId xmlns:a16="http://schemas.microsoft.com/office/drawing/2014/main" id="{36747CE3-4890-4BC1-94DB-5D49D02C9933}"/>
-              </a:ext>
-            </a:extLst>
-          </p:cNvPr>
+          <p:cNvPr id="5" name="Footer Placeholder 4"/>
           <p:cNvSpPr>
             <a:spLocks noGrp="1"/>
           </p:cNvSpPr>
@@ -1378,13 +1209,7 @@
       </p:sp>
       <p:sp>
         <p:nvSpPr>
-          <p:cNvPr id="6" name="Slide Number Placeholder 5">
-            <a:extLst>
-              <a:ext uri="{FF2B5EF4-FFF2-40B4-BE49-F238E27FC236}">
-                <a16:creationId xmlns:a16="http://schemas.microsoft.com/office/drawing/2014/main" id="{093C5AD3-D79A-4D46-B25B-822FE0252511}"/>
-              </a:ext>
-            </a:extLst>
-          </p:cNvPr>
+          <p:cNvPr id="6" name="Slide Number Placeholder 5"/>
           <p:cNvSpPr>
             <a:spLocks noGrp="1"/>
           </p:cNvSpPr>
@@ -1404,18 +1229,12 @@
           <a:p>
             <a:fld id="{B2DC25EE-239B-4C5F-AAD1-255A7D5F1EE2}" type="slidenum">
               <a:rPr lang="en-US" smtClean="0"/>
-              <a:t>‹#›</a:t>
             </a:fld>
             <a:endParaRPr lang="en-US"/>
           </a:p>
         </p:txBody>
       </p:sp>
     </p:spTree>
-    <p:extLst>
-      <p:ext uri="{BB962C8B-B14F-4D97-AF65-F5344CB8AC3E}">
-        <p14:creationId xmlns:p14="http://schemas.microsoft.com/office/powerpoint/2010/main" val="144895776"/>
-      </p:ext>
-    </p:extLst>
   </p:cSld>
   <p:clrMapOvr>
     <a:masterClrMapping/>
@@ -1445,13 +1264,7 @@
       </p:grpSpPr>
       <p:sp useBgFill="1">
         <p:nvSpPr>
-          <p:cNvPr id="8" name="Rectangle 7">
-            <a:extLst>
-              <a:ext uri="{FF2B5EF4-FFF2-40B4-BE49-F238E27FC236}">
-                <a16:creationId xmlns:a16="http://schemas.microsoft.com/office/drawing/2014/main" id="{85AEDC5C-2E87-49C6-AB07-A95E5F39ED8E}"/>
-              </a:ext>
-            </a:extLst>
-          </p:cNvPr>
+          <p:cNvPr id="8" name="Rectangle 7"/>
           <p:cNvSpPr/>
           <p:nvPr/>
         </p:nvSpPr>
@@ -1514,7 +1327,6 @@
               <a:buSzTx/>
               <a:buFontTx/>
               <a:buNone/>
-              <a:tabLst/>
               <a:defRPr/>
             </a:pPr>
             <a:endParaRPr kumimoji="0" lang="en-US" sz="1800" b="0" i="0" u="none" strike="noStrike" kern="1200" cap="none" spc="0" normalizeH="0" baseline="0" noProof="0" dirty="0">
@@ -1536,13 +1348,7 @@
       </p:sp>
       <p:sp>
         <p:nvSpPr>
-          <p:cNvPr id="10" name="Rectangle 9">
-            <a:extLst>
-              <a:ext uri="{FF2B5EF4-FFF2-40B4-BE49-F238E27FC236}">
-                <a16:creationId xmlns:a16="http://schemas.microsoft.com/office/drawing/2014/main" id="{A57D88DE-E462-4C8A-BF99-609390DFB781}"/>
-              </a:ext>
-            </a:extLst>
-          </p:cNvPr>
+          <p:cNvPr id="10" name="Rectangle 9"/>
           <p:cNvSpPr/>
           <p:nvPr/>
         </p:nvSpPr>
@@ -1595,7 +1401,6 @@
               <a:buSzTx/>
               <a:buFontTx/>
               <a:buNone/>
-              <a:tabLst/>
               <a:defRPr/>
             </a:pPr>
             <a:endParaRPr kumimoji="0" lang="en-US" sz="1800" b="0" i="0" u="none" strike="noStrike" kern="1200" cap="none" spc="0" normalizeH="0" baseline="0" noProof="0">
@@ -1617,13 +1422,7 @@
       </p:sp>
       <p:sp>
         <p:nvSpPr>
-          <p:cNvPr id="2" name="Title 1">
-            <a:extLst>
-              <a:ext uri="{FF2B5EF4-FFF2-40B4-BE49-F238E27FC236}">
-                <a16:creationId xmlns:a16="http://schemas.microsoft.com/office/drawing/2014/main" id="{B8E44900-E8BF-4B12-8BCB-41076E2B68C7}"/>
-              </a:ext>
-            </a:extLst>
-          </p:cNvPr>
+          <p:cNvPr id="2" name="Title 1"/>
           <p:cNvSpPr>
             <a:spLocks noGrp="1"/>
           </p:cNvSpPr>
@@ -1651,18 +1450,13 @@
               <a:rPr lang="en-US" dirty="0"/>
               <a:t>Click to edit Master title style</a:t>
             </a:r>
-          </a:p>
-        </p:txBody>
-      </p:sp>
-      <p:sp>
-        <p:nvSpPr>
-          <p:cNvPr id="3" name="Text Placeholder 2">
-            <a:extLst>
-              <a:ext uri="{FF2B5EF4-FFF2-40B4-BE49-F238E27FC236}">
-                <a16:creationId xmlns:a16="http://schemas.microsoft.com/office/drawing/2014/main" id="{917741F9-B00F-4463-A257-6B66DABD9B4E}"/>
-              </a:ext>
-            </a:extLst>
-          </p:cNvPr>
+            <a:endParaRPr lang="en-US" dirty="0"/>
+          </a:p>
+        </p:txBody>
+      </p:sp>
+      <p:sp>
+        <p:nvSpPr>
+          <p:cNvPr id="3" name="Text Placeholder 2"/>
           <p:cNvSpPr>
             <a:spLocks noGrp="1"/>
           </p:cNvSpPr>
@@ -1776,18 +1570,13 @@
               <a:rPr lang="en-US" dirty="0"/>
               <a:t>Click to edit Master text styles</a:t>
             </a:r>
-          </a:p>
-        </p:txBody>
-      </p:sp>
-      <p:sp>
-        <p:nvSpPr>
-          <p:cNvPr id="4" name="Date Placeholder 3">
-            <a:extLst>
-              <a:ext uri="{FF2B5EF4-FFF2-40B4-BE49-F238E27FC236}">
-                <a16:creationId xmlns:a16="http://schemas.microsoft.com/office/drawing/2014/main" id="{D48BFA7D-4401-4285-802B-1579165F0D6D}"/>
-              </a:ext>
-            </a:extLst>
-          </p:cNvPr>
+            <a:endParaRPr lang="en-US" dirty="0"/>
+          </a:p>
+        </p:txBody>
+      </p:sp>
+      <p:sp>
+        <p:nvSpPr>
+          <p:cNvPr id="4" name="Date Placeholder 3"/>
           <p:cNvSpPr>
             <a:spLocks noGrp="1"/>
           </p:cNvSpPr>
@@ -1802,7 +1591,6 @@
           <a:p>
             <a:fld id="{02AC24A9-CCB6-4F8D-B8DB-C2F3692CFA5A}" type="datetimeFigureOut">
               <a:rPr lang="en-US" smtClean="0"/>
-              <a:t>5/14/2022</a:t>
             </a:fld>
             <a:endParaRPr lang="en-US"/>
           </a:p>
@@ -1810,13 +1598,7 @@
       </p:sp>
       <p:sp>
         <p:nvSpPr>
-          <p:cNvPr id="5" name="Footer Placeholder 4">
-            <a:extLst>
-              <a:ext uri="{FF2B5EF4-FFF2-40B4-BE49-F238E27FC236}">
-                <a16:creationId xmlns:a16="http://schemas.microsoft.com/office/drawing/2014/main" id="{49A909C5-AA19-4195-8376-9002D5DF4651}"/>
-              </a:ext>
-            </a:extLst>
-          </p:cNvPr>
+          <p:cNvPr id="5" name="Footer Placeholder 4"/>
           <p:cNvSpPr>
             <a:spLocks noGrp="1"/>
           </p:cNvSpPr>
@@ -1835,13 +1617,7 @@
       </p:sp>
       <p:sp>
         <p:nvSpPr>
-          <p:cNvPr id="6" name="Slide Number Placeholder 5">
-            <a:extLst>
-              <a:ext uri="{FF2B5EF4-FFF2-40B4-BE49-F238E27FC236}">
-                <a16:creationId xmlns:a16="http://schemas.microsoft.com/office/drawing/2014/main" id="{53AC3F32-46E0-47C8-8565-5969A475FDB0}"/>
-              </a:ext>
-            </a:extLst>
-          </p:cNvPr>
+          <p:cNvPr id="6" name="Slide Number Placeholder 5"/>
           <p:cNvSpPr>
             <a:spLocks noGrp="1"/>
           </p:cNvSpPr>
@@ -1856,18 +1632,12 @@
           <a:p>
             <a:fld id="{B2DC25EE-239B-4C5F-AAD1-255A7D5F1EE2}" type="slidenum">
               <a:rPr lang="en-US" smtClean="0"/>
-              <a:t>‹#›</a:t>
             </a:fld>
             <a:endParaRPr lang="en-US"/>
           </a:p>
         </p:txBody>
       </p:sp>
     </p:spTree>
-    <p:extLst>
-      <p:ext uri="{BB962C8B-B14F-4D97-AF65-F5344CB8AC3E}">
-        <p14:creationId xmlns:p14="http://schemas.microsoft.com/office/powerpoint/2010/main" val="911056588"/>
-      </p:ext>
-    </p:extLst>
   </p:cSld>
   <p:clrMapOvr>
     <a:masterClrMapping/>
@@ -1897,13 +1667,7 @@
       </p:grpSpPr>
       <p:sp useBgFill="1">
         <p:nvSpPr>
-          <p:cNvPr id="9" name="Rectangle 8">
-            <a:extLst>
-              <a:ext uri="{FF2B5EF4-FFF2-40B4-BE49-F238E27FC236}">
-                <a16:creationId xmlns:a16="http://schemas.microsoft.com/office/drawing/2014/main" id="{2076262E-36A0-40C6-ADE6-90CD9FB9B9EA}"/>
-              </a:ext>
-            </a:extLst>
-          </p:cNvPr>
+          <p:cNvPr id="9" name="Rectangle 8"/>
           <p:cNvSpPr/>
           <p:nvPr/>
         </p:nvSpPr>
@@ -1966,7 +1730,6 @@
               <a:buSzTx/>
               <a:buFontTx/>
               <a:buNone/>
-              <a:tabLst/>
               <a:defRPr/>
             </a:pPr>
             <a:endParaRPr kumimoji="0" lang="en-US" sz="1800" b="0" i="0" u="none" strike="noStrike" kern="1200" cap="none" spc="0" normalizeH="0" baseline="0" noProof="0">
@@ -1988,13 +1751,7 @@
       </p:sp>
       <p:sp useBgFill="1">
         <p:nvSpPr>
-          <p:cNvPr id="11" name="Rectangle 10">
-            <a:extLst>
-              <a:ext uri="{FF2B5EF4-FFF2-40B4-BE49-F238E27FC236}">
-                <a16:creationId xmlns:a16="http://schemas.microsoft.com/office/drawing/2014/main" id="{42677A9B-4D1D-4D80-912C-24570140A650}"/>
-              </a:ext>
-            </a:extLst>
-          </p:cNvPr>
+          <p:cNvPr id="11" name="Rectangle 10"/>
           <p:cNvSpPr/>
           <p:nvPr/>
         </p:nvSpPr>
@@ -2045,7 +1802,6 @@
               <a:buSzTx/>
               <a:buFontTx/>
               <a:buNone/>
-              <a:tabLst/>
               <a:defRPr/>
             </a:pPr>
             <a:endParaRPr kumimoji="0" lang="en-US" sz="1800" b="0" i="0" u="none" strike="noStrike" kern="1200" cap="none" spc="0" normalizeH="0" baseline="0" noProof="0">
@@ -2067,13 +1823,7 @@
       </p:sp>
       <p:sp>
         <p:nvSpPr>
-          <p:cNvPr id="13" name="Rectangle 12">
-            <a:extLst>
-              <a:ext uri="{FF2B5EF4-FFF2-40B4-BE49-F238E27FC236}">
-                <a16:creationId xmlns:a16="http://schemas.microsoft.com/office/drawing/2014/main" id="{03DC8C98-510F-48C9-82B2-9E4F760A68DF}"/>
-              </a:ext>
-            </a:extLst>
-          </p:cNvPr>
+          <p:cNvPr id="13" name="Rectangle 12"/>
           <p:cNvSpPr/>
           <p:nvPr/>
         </p:nvSpPr>
@@ -2126,7 +1876,6 @@
               <a:buSzTx/>
               <a:buFontTx/>
               <a:buNone/>
-              <a:tabLst/>
               <a:defRPr/>
             </a:pPr>
             <a:endParaRPr kumimoji="0" lang="en-US" sz="1800" b="0" i="0" u="none" strike="noStrike" kern="1200" cap="none" spc="0" normalizeH="0" baseline="0" noProof="0">
@@ -2148,13 +1897,7 @@
       </p:sp>
       <p:sp>
         <p:nvSpPr>
-          <p:cNvPr id="2" name="Title 1">
-            <a:extLst>
-              <a:ext uri="{FF2B5EF4-FFF2-40B4-BE49-F238E27FC236}">
-                <a16:creationId xmlns:a16="http://schemas.microsoft.com/office/drawing/2014/main" id="{17A078AE-0BC3-48F9-87EC-2DB0CCE7E2AE}"/>
-              </a:ext>
-            </a:extLst>
-          </p:cNvPr>
+          <p:cNvPr id="2" name="Title 1"/>
           <p:cNvSpPr>
             <a:spLocks noGrp="1"/>
           </p:cNvSpPr>
@@ -2182,18 +1925,13 @@
               <a:rPr lang="en-US" dirty="0"/>
               <a:t>Click to edit Master title style</a:t>
             </a:r>
-          </a:p>
-        </p:txBody>
-      </p:sp>
-      <p:sp>
-        <p:nvSpPr>
-          <p:cNvPr id="3" name="Content Placeholder 2">
-            <a:extLst>
-              <a:ext uri="{FF2B5EF4-FFF2-40B4-BE49-F238E27FC236}">
-                <a16:creationId xmlns:a16="http://schemas.microsoft.com/office/drawing/2014/main" id="{292A20DF-0829-4336-B59F-FF9D7AA9D8B6}"/>
-              </a:ext>
-            </a:extLst>
-          </p:cNvPr>
+            <a:endParaRPr lang="en-US" dirty="0"/>
+          </a:p>
+        </p:txBody>
+      </p:sp>
+      <p:sp>
+        <p:nvSpPr>
+          <p:cNvPr id="3" name="Content Placeholder 2"/>
           <p:cNvSpPr>
             <a:spLocks noGrp="1"/>
           </p:cNvSpPr>
@@ -2216,6 +1954,7 @@
               <a:rPr lang="en-US" dirty="0"/>
               <a:t>Click to edit Master text styles</a:t>
             </a:r>
+            <a:endParaRPr lang="en-US" dirty="0"/>
           </a:p>
           <a:p>
             <a:pPr lvl="1"/>
@@ -2223,6 +1962,7 @@
               <a:rPr lang="en-US" dirty="0"/>
               <a:t>Second level</a:t>
             </a:r>
+            <a:endParaRPr lang="en-US" dirty="0"/>
           </a:p>
           <a:p>
             <a:pPr lvl="2"/>
@@ -2230,6 +1970,7 @@
               <a:rPr lang="en-US" dirty="0"/>
               <a:t>Third level</a:t>
             </a:r>
+            <a:endParaRPr lang="en-US" dirty="0"/>
           </a:p>
           <a:p>
             <a:pPr lvl="3"/>
@@ -2237,6 +1978,7 @@
               <a:rPr lang="en-US" dirty="0"/>
               <a:t>Fourth level</a:t>
             </a:r>
+            <a:endParaRPr lang="en-US" dirty="0"/>
           </a:p>
           <a:p>
             <a:pPr lvl="4"/>
@@ -2244,18 +1986,13 @@
               <a:rPr lang="en-US" dirty="0"/>
               <a:t>Fifth level</a:t>
             </a:r>
-          </a:p>
-        </p:txBody>
-      </p:sp>
-      <p:sp>
-        <p:nvSpPr>
-          <p:cNvPr id="4" name="Content Placeholder 3">
-            <a:extLst>
-              <a:ext uri="{FF2B5EF4-FFF2-40B4-BE49-F238E27FC236}">
-                <a16:creationId xmlns:a16="http://schemas.microsoft.com/office/drawing/2014/main" id="{7935D01C-CF67-4DF6-B96C-FFC9D5BF847B}"/>
-              </a:ext>
-            </a:extLst>
-          </p:cNvPr>
+            <a:endParaRPr lang="en-US" dirty="0"/>
+          </a:p>
+        </p:txBody>
+      </p:sp>
+      <p:sp>
+        <p:nvSpPr>
+          <p:cNvPr id="4" name="Content Placeholder 3"/>
           <p:cNvSpPr>
             <a:spLocks noGrp="1"/>
           </p:cNvSpPr>
@@ -2278,6 +2015,7 @@
               <a:rPr lang="en-US" dirty="0"/>
               <a:t>Click to edit Master text styles</a:t>
             </a:r>
+            <a:endParaRPr lang="en-US" dirty="0"/>
           </a:p>
           <a:p>
             <a:pPr lvl="1"/>
@@ -2285,6 +2023,7 @@
               <a:rPr lang="en-US" dirty="0"/>
               <a:t>Second level</a:t>
             </a:r>
+            <a:endParaRPr lang="en-US" dirty="0"/>
           </a:p>
           <a:p>
             <a:pPr lvl="2"/>
@@ -2292,6 +2031,7 @@
               <a:rPr lang="en-US" dirty="0"/>
               <a:t>Third level</a:t>
             </a:r>
+            <a:endParaRPr lang="en-US" dirty="0"/>
           </a:p>
           <a:p>
             <a:pPr lvl="3"/>
@@ -2299,6 +2039,7 @@
               <a:rPr lang="en-US" dirty="0"/>
               <a:t>Fourth level</a:t>
             </a:r>
+            <a:endParaRPr lang="en-US" dirty="0"/>
           </a:p>
           <a:p>
             <a:pPr lvl="4"/>
@@ -2306,18 +2047,13 @@
               <a:rPr lang="en-US" dirty="0"/>
               <a:t>Fifth level</a:t>
             </a:r>
-          </a:p>
-        </p:txBody>
-      </p:sp>
-      <p:sp>
-        <p:nvSpPr>
-          <p:cNvPr id="5" name="Date Placeholder 4">
-            <a:extLst>
-              <a:ext uri="{FF2B5EF4-FFF2-40B4-BE49-F238E27FC236}">
-                <a16:creationId xmlns:a16="http://schemas.microsoft.com/office/drawing/2014/main" id="{29BBD797-6031-4F82-8726-EAB757027FF5}"/>
-              </a:ext>
-            </a:extLst>
-          </p:cNvPr>
+            <a:endParaRPr lang="en-US" dirty="0"/>
+          </a:p>
+        </p:txBody>
+      </p:sp>
+      <p:sp>
+        <p:nvSpPr>
+          <p:cNvPr id="5" name="Date Placeholder 4"/>
           <p:cNvSpPr>
             <a:spLocks noGrp="1"/>
           </p:cNvSpPr>
@@ -2337,7 +2073,6 @@
           <a:p>
             <a:fld id="{02AC24A9-CCB6-4F8D-B8DB-C2F3692CFA5A}" type="datetimeFigureOut">
               <a:rPr lang="en-US" smtClean="0"/>
-              <a:t>5/14/2022</a:t>
             </a:fld>
             <a:endParaRPr lang="en-US"/>
           </a:p>
@@ -2345,13 +2080,7 @@
       </p:sp>
       <p:sp>
         <p:nvSpPr>
-          <p:cNvPr id="6" name="Footer Placeholder 5">
-            <a:extLst>
-              <a:ext uri="{FF2B5EF4-FFF2-40B4-BE49-F238E27FC236}">
-                <a16:creationId xmlns:a16="http://schemas.microsoft.com/office/drawing/2014/main" id="{76B3F71C-B897-4909-A75E-8716AD49C156}"/>
-              </a:ext>
-            </a:extLst>
-          </p:cNvPr>
+          <p:cNvPr id="6" name="Footer Placeholder 5"/>
           <p:cNvSpPr>
             <a:spLocks noGrp="1"/>
           </p:cNvSpPr>
@@ -2370,13 +2099,7 @@
       </p:sp>
       <p:sp>
         <p:nvSpPr>
-          <p:cNvPr id="7" name="Slide Number Placeholder 6">
-            <a:extLst>
-              <a:ext uri="{FF2B5EF4-FFF2-40B4-BE49-F238E27FC236}">
-                <a16:creationId xmlns:a16="http://schemas.microsoft.com/office/drawing/2014/main" id="{4F78BC14-5BB1-405F-A6F3-C07230F085C8}"/>
-              </a:ext>
-            </a:extLst>
-          </p:cNvPr>
+          <p:cNvPr id="7" name="Slide Number Placeholder 6"/>
           <p:cNvSpPr>
             <a:spLocks noGrp="1"/>
           </p:cNvSpPr>
@@ -2396,18 +2119,12 @@
           <a:p>
             <a:fld id="{B2DC25EE-239B-4C5F-AAD1-255A7D5F1EE2}" type="slidenum">
               <a:rPr lang="en-US" smtClean="0"/>
-              <a:t>‹#›</a:t>
             </a:fld>
             <a:endParaRPr lang="en-US"/>
           </a:p>
         </p:txBody>
       </p:sp>
     </p:spTree>
-    <p:extLst>
-      <p:ext uri="{BB962C8B-B14F-4D97-AF65-F5344CB8AC3E}">
-        <p14:creationId xmlns:p14="http://schemas.microsoft.com/office/powerpoint/2010/main" val="962244388"/>
-      </p:ext>
-    </p:extLst>
   </p:cSld>
   <p:clrMapOvr>
     <a:masterClrMapping/>
@@ -2437,13 +2154,7 @@
       </p:grpSpPr>
       <p:sp useBgFill="1">
         <p:nvSpPr>
-          <p:cNvPr id="11" name="Rectangle 10">
-            <a:extLst>
-              <a:ext uri="{FF2B5EF4-FFF2-40B4-BE49-F238E27FC236}">
-                <a16:creationId xmlns:a16="http://schemas.microsoft.com/office/drawing/2014/main" id="{6B671BDE-E45C-41A1-9B98-4A607D703855}"/>
-              </a:ext>
-            </a:extLst>
-          </p:cNvPr>
+          <p:cNvPr id="11" name="Rectangle 10"/>
           <p:cNvSpPr/>
           <p:nvPr/>
         </p:nvSpPr>
@@ -2506,7 +2217,6 @@
               <a:buSzTx/>
               <a:buFontTx/>
               <a:buNone/>
-              <a:tabLst/>
               <a:defRPr/>
             </a:pPr>
             <a:endParaRPr kumimoji="0" lang="en-US" sz="1800" b="0" i="0" u="none" strike="noStrike" kern="1200" cap="none" spc="0" normalizeH="0" baseline="0" noProof="0">
@@ -2528,13 +2238,7 @@
       </p:sp>
       <p:sp useBgFill="1">
         <p:nvSpPr>
-          <p:cNvPr id="13" name="Rectangle 12">
-            <a:extLst>
-              <a:ext uri="{FF2B5EF4-FFF2-40B4-BE49-F238E27FC236}">
-                <a16:creationId xmlns:a16="http://schemas.microsoft.com/office/drawing/2014/main" id="{299500CE-917A-4D03-A7DF-71D8EBBC1537}"/>
-              </a:ext>
-            </a:extLst>
-          </p:cNvPr>
+          <p:cNvPr id="13" name="Rectangle 12"/>
           <p:cNvSpPr/>
           <p:nvPr/>
         </p:nvSpPr>
@@ -2585,7 +2289,6 @@
               <a:buSzTx/>
               <a:buFontTx/>
               <a:buNone/>
-              <a:tabLst/>
               <a:defRPr/>
             </a:pPr>
             <a:endParaRPr kumimoji="0" lang="en-US" sz="1800" b="0" i="0" u="none" strike="noStrike" kern="1200" cap="none" spc="0" normalizeH="0" baseline="0" noProof="0" dirty="0">
@@ -2607,13 +2310,7 @@
       </p:sp>
       <p:sp>
         <p:nvSpPr>
-          <p:cNvPr id="15" name="Rectangle 14">
-            <a:extLst>
-              <a:ext uri="{FF2B5EF4-FFF2-40B4-BE49-F238E27FC236}">
-                <a16:creationId xmlns:a16="http://schemas.microsoft.com/office/drawing/2014/main" id="{C3D0D377-28B0-417D-886B-9483AF064975}"/>
-              </a:ext>
-            </a:extLst>
-          </p:cNvPr>
+          <p:cNvPr id="15" name="Rectangle 14"/>
           <p:cNvSpPr/>
           <p:nvPr/>
         </p:nvSpPr>
@@ -2666,7 +2363,6 @@
               <a:buSzTx/>
               <a:buFontTx/>
               <a:buNone/>
-              <a:tabLst/>
               <a:defRPr/>
             </a:pPr>
             <a:endParaRPr kumimoji="0" lang="en-US" sz="1800" b="0" i="0" u="none" strike="noStrike" kern="1200" cap="none" spc="0" normalizeH="0" baseline="0" noProof="0">
@@ -2688,13 +2384,7 @@
       </p:sp>
       <p:sp>
         <p:nvSpPr>
-          <p:cNvPr id="2" name="Title 1">
-            <a:extLst>
-              <a:ext uri="{FF2B5EF4-FFF2-40B4-BE49-F238E27FC236}">
-                <a16:creationId xmlns:a16="http://schemas.microsoft.com/office/drawing/2014/main" id="{0F8F91F8-0767-40B5-A3AA-72931FC192EA}"/>
-              </a:ext>
-            </a:extLst>
-          </p:cNvPr>
+          <p:cNvPr id="2" name="Title 1"/>
           <p:cNvSpPr>
             <a:spLocks noGrp="1"/>
           </p:cNvSpPr>
@@ -2722,18 +2412,13 @@
               <a:rPr lang="en-US" dirty="0"/>
               <a:t>Click to edit Master title style</a:t>
             </a:r>
-          </a:p>
-        </p:txBody>
-      </p:sp>
-      <p:sp>
-        <p:nvSpPr>
-          <p:cNvPr id="3" name="Text Placeholder 2">
-            <a:extLst>
-              <a:ext uri="{FF2B5EF4-FFF2-40B4-BE49-F238E27FC236}">
-                <a16:creationId xmlns:a16="http://schemas.microsoft.com/office/drawing/2014/main" id="{AAAE0554-8BEE-4BF6-9519-51B8475D35E1}"/>
-              </a:ext>
-            </a:extLst>
-          </p:cNvPr>
+            <a:endParaRPr lang="en-US" dirty="0"/>
+          </a:p>
+        </p:txBody>
+      </p:sp>
+      <p:sp>
+        <p:nvSpPr>
+          <p:cNvPr id="3" name="Text Placeholder 2"/>
           <p:cNvSpPr>
             <a:spLocks noGrp="1"/>
           </p:cNvSpPr>
@@ -2793,18 +2478,13 @@
               <a:rPr lang="en-US" dirty="0"/>
               <a:t>Click to edit Master text styles</a:t>
             </a:r>
-          </a:p>
-        </p:txBody>
-      </p:sp>
-      <p:sp>
-        <p:nvSpPr>
-          <p:cNvPr id="4" name="Content Placeholder 3">
-            <a:extLst>
-              <a:ext uri="{FF2B5EF4-FFF2-40B4-BE49-F238E27FC236}">
-                <a16:creationId xmlns:a16="http://schemas.microsoft.com/office/drawing/2014/main" id="{FD4A358D-C930-48E0-B372-06A826B74C47}"/>
-              </a:ext>
-            </a:extLst>
-          </p:cNvPr>
+            <a:endParaRPr lang="en-US" dirty="0"/>
+          </a:p>
+        </p:txBody>
+      </p:sp>
+      <p:sp>
+        <p:nvSpPr>
+          <p:cNvPr id="4" name="Content Placeholder 3"/>
           <p:cNvSpPr>
             <a:spLocks noGrp="1"/>
           </p:cNvSpPr>
@@ -2837,6 +2517,7 @@
               <a:rPr lang="en-US" dirty="0"/>
               <a:t>Click to edit Master text styles</a:t>
             </a:r>
+            <a:endParaRPr lang="en-US" dirty="0"/>
           </a:p>
           <a:p>
             <a:pPr lvl="1"/>
@@ -2844,6 +2525,7 @@
               <a:rPr lang="en-US" dirty="0"/>
               <a:t>Second level</a:t>
             </a:r>
+            <a:endParaRPr lang="en-US" dirty="0"/>
           </a:p>
           <a:p>
             <a:pPr lvl="2"/>
@@ -2851,6 +2533,7 @@
               <a:rPr lang="en-US" dirty="0"/>
               <a:t>Third level</a:t>
             </a:r>
+            <a:endParaRPr lang="en-US" dirty="0"/>
           </a:p>
           <a:p>
             <a:pPr lvl="3"/>
@@ -2858,6 +2541,7 @@
               <a:rPr lang="en-US" dirty="0"/>
               <a:t>Fourth level</a:t>
             </a:r>
+            <a:endParaRPr lang="en-US" dirty="0"/>
           </a:p>
           <a:p>
             <a:pPr lvl="4"/>
@@ -2865,18 +2549,13 @@
               <a:rPr lang="en-US" dirty="0"/>
               <a:t>Fifth level</a:t>
             </a:r>
-          </a:p>
-        </p:txBody>
-      </p:sp>
-      <p:sp>
-        <p:nvSpPr>
-          <p:cNvPr id="5" name="Text Placeholder 4">
-            <a:extLst>
-              <a:ext uri="{FF2B5EF4-FFF2-40B4-BE49-F238E27FC236}">
-                <a16:creationId xmlns:a16="http://schemas.microsoft.com/office/drawing/2014/main" id="{83B6615E-4966-4150-83B6-C47591B36383}"/>
-              </a:ext>
-            </a:extLst>
-          </p:cNvPr>
+            <a:endParaRPr lang="en-US" dirty="0"/>
+          </a:p>
+        </p:txBody>
+      </p:sp>
+      <p:sp>
+        <p:nvSpPr>
+          <p:cNvPr id="5" name="Text Placeholder 4"/>
           <p:cNvSpPr>
             <a:spLocks noGrp="1"/>
           </p:cNvSpPr>
@@ -2936,18 +2615,13 @@
               <a:rPr lang="en-US" dirty="0"/>
               <a:t>Click to edit Master text styles</a:t>
             </a:r>
-          </a:p>
-        </p:txBody>
-      </p:sp>
-      <p:sp>
-        <p:nvSpPr>
-          <p:cNvPr id="6" name="Content Placeholder 5">
-            <a:extLst>
-              <a:ext uri="{FF2B5EF4-FFF2-40B4-BE49-F238E27FC236}">
-                <a16:creationId xmlns:a16="http://schemas.microsoft.com/office/drawing/2014/main" id="{BD409F6B-C17B-4B4F-9F35-5068BDC4E2FD}"/>
-              </a:ext>
-            </a:extLst>
-          </p:cNvPr>
+            <a:endParaRPr lang="en-US" dirty="0"/>
+          </a:p>
+        </p:txBody>
+      </p:sp>
+      <p:sp>
+        <p:nvSpPr>
+          <p:cNvPr id="6" name="Content Placeholder 5"/>
           <p:cNvSpPr>
             <a:spLocks noGrp="1"/>
           </p:cNvSpPr>
@@ -2980,6 +2654,7 @@
               <a:rPr lang="en-US" dirty="0"/>
               <a:t>Click to edit Master text styles</a:t>
             </a:r>
+            <a:endParaRPr lang="en-US" dirty="0"/>
           </a:p>
           <a:p>
             <a:pPr lvl="1"/>
@@ -2987,6 +2662,7 @@
               <a:rPr lang="en-US" dirty="0"/>
               <a:t>Second level</a:t>
             </a:r>
+            <a:endParaRPr lang="en-US" dirty="0"/>
           </a:p>
           <a:p>
             <a:pPr lvl="2"/>
@@ -2994,6 +2670,7 @@
               <a:rPr lang="en-US" dirty="0"/>
               <a:t>Third level</a:t>
             </a:r>
+            <a:endParaRPr lang="en-US" dirty="0"/>
           </a:p>
           <a:p>
             <a:pPr lvl="3"/>
@@ -3001,6 +2678,7 @@
               <a:rPr lang="en-US" dirty="0"/>
               <a:t>Fourth level</a:t>
             </a:r>
+            <a:endParaRPr lang="en-US" dirty="0"/>
           </a:p>
           <a:p>
             <a:pPr lvl="4"/>
@@ -3008,18 +2686,13 @@
               <a:rPr lang="en-US" dirty="0"/>
               <a:t>Fifth level</a:t>
             </a:r>
-          </a:p>
-        </p:txBody>
-      </p:sp>
-      <p:sp>
-        <p:nvSpPr>
-          <p:cNvPr id="7" name="Date Placeholder 6">
-            <a:extLst>
-              <a:ext uri="{FF2B5EF4-FFF2-40B4-BE49-F238E27FC236}">
-                <a16:creationId xmlns:a16="http://schemas.microsoft.com/office/drawing/2014/main" id="{C8BC356D-052B-4A9B-8B2F-6665FD325AB3}"/>
-              </a:ext>
-            </a:extLst>
-          </p:cNvPr>
+            <a:endParaRPr lang="en-US" dirty="0"/>
+          </a:p>
+        </p:txBody>
+      </p:sp>
+      <p:sp>
+        <p:nvSpPr>
+          <p:cNvPr id="7" name="Date Placeholder 6"/>
           <p:cNvSpPr>
             <a:spLocks noGrp="1"/>
           </p:cNvSpPr>
@@ -3039,7 +2712,6 @@
           <a:p>
             <a:fld id="{02AC24A9-CCB6-4F8D-B8DB-C2F3692CFA5A}" type="datetimeFigureOut">
               <a:rPr lang="en-US" smtClean="0"/>
-              <a:t>5/14/2022</a:t>
             </a:fld>
             <a:endParaRPr lang="en-US"/>
           </a:p>
@@ -3047,13 +2719,7 @@
       </p:sp>
       <p:sp>
         <p:nvSpPr>
-          <p:cNvPr id="8" name="Footer Placeholder 7">
-            <a:extLst>
-              <a:ext uri="{FF2B5EF4-FFF2-40B4-BE49-F238E27FC236}">
-                <a16:creationId xmlns:a16="http://schemas.microsoft.com/office/drawing/2014/main" id="{69C5E5FA-26A9-467C-93E3-8476142D1D46}"/>
-              </a:ext>
-            </a:extLst>
-          </p:cNvPr>
+          <p:cNvPr id="8" name="Footer Placeholder 7"/>
           <p:cNvSpPr>
             <a:spLocks noGrp="1"/>
           </p:cNvSpPr>
@@ -3072,13 +2738,7 @@
       </p:sp>
       <p:sp>
         <p:nvSpPr>
-          <p:cNvPr id="9" name="Slide Number Placeholder 8">
-            <a:extLst>
-              <a:ext uri="{FF2B5EF4-FFF2-40B4-BE49-F238E27FC236}">
-                <a16:creationId xmlns:a16="http://schemas.microsoft.com/office/drawing/2014/main" id="{D279E50C-1E40-4B48-871B-E392428D20A3}"/>
-              </a:ext>
-            </a:extLst>
-          </p:cNvPr>
+          <p:cNvPr id="9" name="Slide Number Placeholder 8"/>
           <p:cNvSpPr>
             <a:spLocks noGrp="1"/>
           </p:cNvSpPr>
@@ -3098,18 +2758,12 @@
           <a:p>
             <a:fld id="{B2DC25EE-239B-4C5F-AAD1-255A7D5F1EE2}" type="slidenum">
               <a:rPr lang="en-US" smtClean="0"/>
-              <a:t>‹#›</a:t>
             </a:fld>
             <a:endParaRPr lang="en-US"/>
           </a:p>
         </p:txBody>
       </p:sp>
     </p:spTree>
-    <p:extLst>
-      <p:ext uri="{BB962C8B-B14F-4D97-AF65-F5344CB8AC3E}">
-        <p14:creationId xmlns:p14="http://schemas.microsoft.com/office/powerpoint/2010/main" val="3818880399"/>
-      </p:ext>
-    </p:extLst>
   </p:cSld>
   <p:clrMapOvr>
     <a:masterClrMapping/>
@@ -3139,13 +2793,7 @@
       </p:grpSpPr>
       <p:sp useBgFill="1">
         <p:nvSpPr>
-          <p:cNvPr id="7" name="Rectangle 6">
-            <a:extLst>
-              <a:ext uri="{FF2B5EF4-FFF2-40B4-BE49-F238E27FC236}">
-                <a16:creationId xmlns:a16="http://schemas.microsoft.com/office/drawing/2014/main" id="{8C0689C4-0DB3-408B-A956-40326B4AE4C4}"/>
-              </a:ext>
-            </a:extLst>
-          </p:cNvPr>
+          <p:cNvPr id="7" name="Rectangle 6"/>
           <p:cNvSpPr/>
           <p:nvPr/>
         </p:nvSpPr>
@@ -3208,7 +2856,6 @@
               <a:buSzTx/>
               <a:buFontTx/>
               <a:buNone/>
-              <a:tabLst/>
               <a:defRPr/>
             </a:pPr>
             <a:endParaRPr kumimoji="0" lang="en-US" sz="1800" b="0" i="0" u="none" strike="noStrike" kern="1200" cap="none" spc="0" normalizeH="0" baseline="0" noProof="0">
@@ -3230,13 +2877,7 @@
       </p:sp>
       <p:sp>
         <p:nvSpPr>
-          <p:cNvPr id="9" name="Rectangle 8">
-            <a:extLst>
-              <a:ext uri="{FF2B5EF4-FFF2-40B4-BE49-F238E27FC236}">
-                <a16:creationId xmlns:a16="http://schemas.microsoft.com/office/drawing/2014/main" id="{56E1D10E-1C30-41BF-8C3B-C460C9B5597B}"/>
-              </a:ext>
-            </a:extLst>
-          </p:cNvPr>
+          <p:cNvPr id="9" name="Rectangle 8"/>
           <p:cNvSpPr/>
           <p:nvPr/>
         </p:nvSpPr>
@@ -3289,7 +2930,6 @@
               <a:buSzTx/>
               <a:buFontTx/>
               <a:buNone/>
-              <a:tabLst/>
               <a:defRPr/>
             </a:pPr>
             <a:endParaRPr kumimoji="0" lang="en-US" sz="1800" b="0" i="0" u="none" strike="noStrike" kern="1200" cap="none" spc="0" normalizeH="0" baseline="0" noProof="0">
@@ -3311,13 +2951,7 @@
       </p:sp>
       <p:sp>
         <p:nvSpPr>
-          <p:cNvPr id="2" name="Title 1">
-            <a:extLst>
-              <a:ext uri="{FF2B5EF4-FFF2-40B4-BE49-F238E27FC236}">
-                <a16:creationId xmlns:a16="http://schemas.microsoft.com/office/drawing/2014/main" id="{779454F2-0EE5-4888-AF4C-82F825E6226E}"/>
-              </a:ext>
-            </a:extLst>
-          </p:cNvPr>
+          <p:cNvPr id="2" name="Title 1"/>
           <p:cNvSpPr>
             <a:spLocks noGrp="1"/>
           </p:cNvSpPr>
@@ -3345,18 +2979,13 @@
               <a:rPr lang="en-US" dirty="0"/>
               <a:t>Click to edit Master title style</a:t>
             </a:r>
-          </a:p>
-        </p:txBody>
-      </p:sp>
-      <p:sp>
-        <p:nvSpPr>
-          <p:cNvPr id="3" name="Date Placeholder 2">
-            <a:extLst>
-              <a:ext uri="{FF2B5EF4-FFF2-40B4-BE49-F238E27FC236}">
-                <a16:creationId xmlns:a16="http://schemas.microsoft.com/office/drawing/2014/main" id="{67C91241-A315-4643-91E5-CF2C25CC903A}"/>
-              </a:ext>
-            </a:extLst>
-          </p:cNvPr>
+            <a:endParaRPr lang="en-US" dirty="0"/>
+          </a:p>
+        </p:txBody>
+      </p:sp>
+      <p:sp>
+        <p:nvSpPr>
+          <p:cNvPr id="3" name="Date Placeholder 2"/>
           <p:cNvSpPr>
             <a:spLocks noGrp="1"/>
           </p:cNvSpPr>
@@ -3371,7 +3000,6 @@
           <a:p>
             <a:fld id="{02AC24A9-CCB6-4F8D-B8DB-C2F3692CFA5A}" type="datetimeFigureOut">
               <a:rPr lang="en-US" smtClean="0"/>
-              <a:t>5/14/2022</a:t>
             </a:fld>
             <a:endParaRPr lang="en-US"/>
           </a:p>
@@ -3379,13 +3007,7 @@
       </p:sp>
       <p:sp>
         <p:nvSpPr>
-          <p:cNvPr id="4" name="Footer Placeholder 3">
-            <a:extLst>
-              <a:ext uri="{FF2B5EF4-FFF2-40B4-BE49-F238E27FC236}">
-                <a16:creationId xmlns:a16="http://schemas.microsoft.com/office/drawing/2014/main" id="{22706D86-5479-487D-94C8-76093D84F377}"/>
-              </a:ext>
-            </a:extLst>
-          </p:cNvPr>
+          <p:cNvPr id="4" name="Footer Placeholder 3"/>
           <p:cNvSpPr>
             <a:spLocks noGrp="1"/>
           </p:cNvSpPr>
@@ -3404,13 +3026,7 @@
       </p:sp>
       <p:sp>
         <p:nvSpPr>
-          <p:cNvPr id="5" name="Slide Number Placeholder 4">
-            <a:extLst>
-              <a:ext uri="{FF2B5EF4-FFF2-40B4-BE49-F238E27FC236}">
-                <a16:creationId xmlns:a16="http://schemas.microsoft.com/office/drawing/2014/main" id="{A7739411-CED6-43D4-868D-A65C4161A72B}"/>
-              </a:ext>
-            </a:extLst>
-          </p:cNvPr>
+          <p:cNvPr id="5" name="Slide Number Placeholder 4"/>
           <p:cNvSpPr>
             <a:spLocks noGrp="1"/>
           </p:cNvSpPr>
@@ -3425,18 +3041,12 @@
           <a:p>
             <a:fld id="{B2DC25EE-239B-4C5F-AAD1-255A7D5F1EE2}" type="slidenum">
               <a:rPr lang="en-US" smtClean="0"/>
-              <a:t>‹#›</a:t>
             </a:fld>
             <a:endParaRPr lang="en-US"/>
           </a:p>
         </p:txBody>
       </p:sp>
     </p:spTree>
-    <p:extLst>
-      <p:ext uri="{BB962C8B-B14F-4D97-AF65-F5344CB8AC3E}">
-        <p14:creationId xmlns:p14="http://schemas.microsoft.com/office/powerpoint/2010/main" val="2426660452"/>
-      </p:ext>
-    </p:extLst>
   </p:cSld>
   <p:clrMapOvr>
     <a:masterClrMapping/>
@@ -3466,13 +3076,7 @@
       </p:grpSpPr>
       <p:sp>
         <p:nvSpPr>
-          <p:cNvPr id="2" name="Date Placeholder 1">
-            <a:extLst>
-              <a:ext uri="{FF2B5EF4-FFF2-40B4-BE49-F238E27FC236}">
-                <a16:creationId xmlns:a16="http://schemas.microsoft.com/office/drawing/2014/main" id="{EAC447E0-1D4D-4EF2-B81B-4B2400EE3EDB}"/>
-              </a:ext>
-            </a:extLst>
-          </p:cNvPr>
+          <p:cNvPr id="2" name="Date Placeholder 1"/>
           <p:cNvSpPr>
             <a:spLocks noGrp="1"/>
           </p:cNvSpPr>
@@ -3487,7 +3091,6 @@
           <a:p>
             <a:fld id="{02AC24A9-CCB6-4F8D-B8DB-C2F3692CFA5A}" type="datetimeFigureOut">
               <a:rPr lang="en-US" smtClean="0"/>
-              <a:t>5/14/2022</a:t>
             </a:fld>
             <a:endParaRPr lang="en-US"/>
           </a:p>
@@ -3495,13 +3098,7 @@
       </p:sp>
       <p:sp>
         <p:nvSpPr>
-          <p:cNvPr id="3" name="Footer Placeholder 2">
-            <a:extLst>
-              <a:ext uri="{FF2B5EF4-FFF2-40B4-BE49-F238E27FC236}">
-                <a16:creationId xmlns:a16="http://schemas.microsoft.com/office/drawing/2014/main" id="{C9984CA0-2A78-4600-9F3D-19B09E790FE8}"/>
-              </a:ext>
-            </a:extLst>
-          </p:cNvPr>
+          <p:cNvPr id="3" name="Footer Placeholder 2"/>
           <p:cNvSpPr>
             <a:spLocks noGrp="1"/>
           </p:cNvSpPr>
@@ -3520,13 +3117,7 @@
       </p:sp>
       <p:sp>
         <p:nvSpPr>
-          <p:cNvPr id="4" name="Slide Number Placeholder 3">
-            <a:extLst>
-              <a:ext uri="{FF2B5EF4-FFF2-40B4-BE49-F238E27FC236}">
-                <a16:creationId xmlns:a16="http://schemas.microsoft.com/office/drawing/2014/main" id="{38440955-B18E-49D3-AE7B-B331200E34C5}"/>
-              </a:ext>
-            </a:extLst>
-          </p:cNvPr>
+          <p:cNvPr id="4" name="Slide Number Placeholder 3"/>
           <p:cNvSpPr>
             <a:spLocks noGrp="1"/>
           </p:cNvSpPr>
@@ -3541,18 +3132,12 @@
           <a:p>
             <a:fld id="{B2DC25EE-239B-4C5F-AAD1-255A7D5F1EE2}" type="slidenum">
               <a:rPr lang="en-US" smtClean="0"/>
-              <a:t>‹#›</a:t>
             </a:fld>
             <a:endParaRPr lang="en-US"/>
           </a:p>
         </p:txBody>
       </p:sp>
     </p:spTree>
-    <p:extLst>
-      <p:ext uri="{BB962C8B-B14F-4D97-AF65-F5344CB8AC3E}">
-        <p14:creationId xmlns:p14="http://schemas.microsoft.com/office/powerpoint/2010/main" val="3267673513"/>
-      </p:ext>
-    </p:extLst>
   </p:cSld>
   <p:clrMapOvr>
     <a:masterClrMapping/>
@@ -3582,13 +3167,7 @@
       </p:grpSpPr>
       <p:sp useBgFill="1">
         <p:nvSpPr>
-          <p:cNvPr id="9" name="Rectangle 8">
-            <a:extLst>
-              <a:ext uri="{FF2B5EF4-FFF2-40B4-BE49-F238E27FC236}">
-                <a16:creationId xmlns:a16="http://schemas.microsoft.com/office/drawing/2014/main" id="{1FA417FE-CD1A-486F-A4AC-E4000A2FB18E}"/>
-              </a:ext>
-            </a:extLst>
-          </p:cNvPr>
+          <p:cNvPr id="9" name="Rectangle 8"/>
           <p:cNvSpPr/>
           <p:nvPr/>
         </p:nvSpPr>
@@ -3651,7 +3230,6 @@
               <a:buSzTx/>
               <a:buFontTx/>
               <a:buNone/>
-              <a:tabLst/>
               <a:defRPr/>
             </a:pPr>
             <a:endParaRPr kumimoji="0" lang="en-US" sz="1800" b="0" i="0" u="none" strike="noStrike" kern="1200" cap="none" spc="0" normalizeH="0" baseline="0" noProof="0">
@@ -3673,13 +3251,7 @@
       </p:sp>
       <p:sp>
         <p:nvSpPr>
-          <p:cNvPr id="11" name="Rectangle 10">
-            <a:extLst>
-              <a:ext uri="{FF2B5EF4-FFF2-40B4-BE49-F238E27FC236}">
-                <a16:creationId xmlns:a16="http://schemas.microsoft.com/office/drawing/2014/main" id="{1318F0F5-812B-472C-9408-B80F2553F5E0}"/>
-              </a:ext>
-            </a:extLst>
-          </p:cNvPr>
+          <p:cNvPr id="11" name="Rectangle 10"/>
           <p:cNvSpPr/>
           <p:nvPr/>
         </p:nvSpPr>
@@ -3732,7 +3304,6 @@
               <a:buSzTx/>
               <a:buFontTx/>
               <a:buNone/>
-              <a:tabLst/>
               <a:defRPr/>
             </a:pPr>
             <a:endParaRPr kumimoji="0" lang="en-US" sz="1800" b="0" i="0" u="none" strike="noStrike" kern="1200" cap="none" spc="0" normalizeH="0" baseline="0" noProof="0">
@@ -3754,13 +3325,7 @@
       </p:sp>
       <p:sp>
         <p:nvSpPr>
-          <p:cNvPr id="2" name="Title 1">
-            <a:extLst>
-              <a:ext uri="{FF2B5EF4-FFF2-40B4-BE49-F238E27FC236}">
-                <a16:creationId xmlns:a16="http://schemas.microsoft.com/office/drawing/2014/main" id="{47F7751B-CD8F-4F5B-A903-1DCE5D1E8306}"/>
-              </a:ext>
-            </a:extLst>
-          </p:cNvPr>
+          <p:cNvPr id="2" name="Title 1"/>
           <p:cNvSpPr>
             <a:spLocks noGrp="1"/>
           </p:cNvSpPr>
@@ -3791,18 +3356,13 @@
               <a:rPr lang="en-US" dirty="0"/>
               <a:t>Click to edit Master title style</a:t>
             </a:r>
-          </a:p>
-        </p:txBody>
-      </p:sp>
-      <p:sp>
-        <p:nvSpPr>
-          <p:cNvPr id="3" name="Content Placeholder 2">
-            <a:extLst>
-              <a:ext uri="{FF2B5EF4-FFF2-40B4-BE49-F238E27FC236}">
-                <a16:creationId xmlns:a16="http://schemas.microsoft.com/office/drawing/2014/main" id="{EFA55C8A-A0BB-441D-976F-EB56D4382DB6}"/>
-              </a:ext>
-            </a:extLst>
-          </p:cNvPr>
+            <a:endParaRPr lang="en-US" dirty="0"/>
+          </a:p>
+        </p:txBody>
+      </p:sp>
+      <p:sp>
+        <p:nvSpPr>
+          <p:cNvPr id="3" name="Content Placeholder 2"/>
           <p:cNvSpPr>
             <a:spLocks noGrp="1"/>
           </p:cNvSpPr>
@@ -3853,6 +3413,7 @@
               <a:rPr lang="en-US" dirty="0"/>
               <a:t>Click to edit Master text styles</a:t>
             </a:r>
+            <a:endParaRPr lang="en-US" dirty="0"/>
           </a:p>
           <a:p>
             <a:pPr lvl="1"/>
@@ -3860,6 +3421,7 @@
               <a:rPr lang="en-US" dirty="0"/>
               <a:t>Second level</a:t>
             </a:r>
+            <a:endParaRPr lang="en-US" dirty="0"/>
           </a:p>
           <a:p>
             <a:pPr lvl="2"/>
@@ -3867,6 +3429,7 @@
               <a:rPr lang="en-US" dirty="0"/>
               <a:t>Third level</a:t>
             </a:r>
+            <a:endParaRPr lang="en-US" dirty="0"/>
           </a:p>
           <a:p>
             <a:pPr lvl="3"/>
@@ -3874,6 +3437,7 @@
               <a:rPr lang="en-US" dirty="0"/>
               <a:t>Fourth level</a:t>
             </a:r>
+            <a:endParaRPr lang="en-US" dirty="0"/>
           </a:p>
           <a:p>
             <a:pPr lvl="4"/>
@@ -3881,18 +3445,13 @@
               <a:rPr lang="en-US" dirty="0"/>
               <a:t>Fifth level</a:t>
             </a:r>
-          </a:p>
-        </p:txBody>
-      </p:sp>
-      <p:sp>
-        <p:nvSpPr>
-          <p:cNvPr id="4" name="Text Placeholder 3">
-            <a:extLst>
-              <a:ext uri="{FF2B5EF4-FFF2-40B4-BE49-F238E27FC236}">
-                <a16:creationId xmlns:a16="http://schemas.microsoft.com/office/drawing/2014/main" id="{37DE6A51-A2E5-4BFA-B571-9FDFE1BBFB44}"/>
-              </a:ext>
-            </a:extLst>
-          </p:cNvPr>
+            <a:endParaRPr lang="en-US" dirty="0"/>
+          </a:p>
+        </p:txBody>
+      </p:sp>
+      <p:sp>
+        <p:nvSpPr>
+          <p:cNvPr id="4" name="Text Placeholder 3"/>
           <p:cNvSpPr>
             <a:spLocks noGrp="1"/>
           </p:cNvSpPr>
@@ -3954,18 +3513,13 @@
               <a:rPr lang="en-US" dirty="0"/>
               <a:t>Click to edit Master text styles</a:t>
             </a:r>
-          </a:p>
-        </p:txBody>
-      </p:sp>
-      <p:sp>
-        <p:nvSpPr>
-          <p:cNvPr id="5" name="Date Placeholder 4">
-            <a:extLst>
-              <a:ext uri="{FF2B5EF4-FFF2-40B4-BE49-F238E27FC236}">
-                <a16:creationId xmlns:a16="http://schemas.microsoft.com/office/drawing/2014/main" id="{3D92778A-DD4C-4651-9C53-8B0C44CD8805}"/>
-              </a:ext>
-            </a:extLst>
-          </p:cNvPr>
+            <a:endParaRPr lang="en-US" dirty="0"/>
+          </a:p>
+        </p:txBody>
+      </p:sp>
+      <p:sp>
+        <p:nvSpPr>
+          <p:cNvPr id="5" name="Date Placeholder 4"/>
           <p:cNvSpPr>
             <a:spLocks noGrp="1"/>
           </p:cNvSpPr>
@@ -3985,7 +3539,6 @@
           <a:p>
             <a:fld id="{02AC24A9-CCB6-4F8D-B8DB-C2F3692CFA5A}" type="datetimeFigureOut">
               <a:rPr lang="en-US" smtClean="0"/>
-              <a:t>5/14/2022</a:t>
             </a:fld>
             <a:endParaRPr lang="en-US" dirty="0"/>
           </a:p>
@@ -3993,13 +3546,7 @@
       </p:sp>
       <p:sp>
         <p:nvSpPr>
-          <p:cNvPr id="6" name="Footer Placeholder 5">
-            <a:extLst>
-              <a:ext uri="{FF2B5EF4-FFF2-40B4-BE49-F238E27FC236}">
-                <a16:creationId xmlns:a16="http://schemas.microsoft.com/office/drawing/2014/main" id="{9D6C7F66-2DFA-4146-BE1A-CE2890FE45E2}"/>
-              </a:ext>
-            </a:extLst>
-          </p:cNvPr>
+          <p:cNvPr id="6" name="Footer Placeholder 5"/>
           <p:cNvSpPr>
             <a:spLocks noGrp="1"/>
           </p:cNvSpPr>
@@ -4018,13 +3565,7 @@
       </p:sp>
       <p:sp>
         <p:nvSpPr>
-          <p:cNvPr id="7" name="Slide Number Placeholder 6">
-            <a:extLst>
-              <a:ext uri="{FF2B5EF4-FFF2-40B4-BE49-F238E27FC236}">
-                <a16:creationId xmlns:a16="http://schemas.microsoft.com/office/drawing/2014/main" id="{D285D185-B1B6-4D62-81BE-BE82C80ACA6C}"/>
-              </a:ext>
-            </a:extLst>
-          </p:cNvPr>
+          <p:cNvPr id="7" name="Slide Number Placeholder 6"/>
           <p:cNvSpPr>
             <a:spLocks noGrp="1"/>
           </p:cNvSpPr>
@@ -4039,18 +3580,12 @@
           <a:p>
             <a:fld id="{B2DC25EE-239B-4C5F-AAD1-255A7D5F1EE2}" type="slidenum">
               <a:rPr lang="en-US" smtClean="0"/>
-              <a:t>‹#›</a:t>
             </a:fld>
             <a:endParaRPr lang="en-US"/>
           </a:p>
         </p:txBody>
       </p:sp>
     </p:spTree>
-    <p:extLst>
-      <p:ext uri="{BB962C8B-B14F-4D97-AF65-F5344CB8AC3E}">
-        <p14:creationId xmlns:p14="http://schemas.microsoft.com/office/powerpoint/2010/main" val="3822774093"/>
-      </p:ext>
-    </p:extLst>
   </p:cSld>
   <p:clrMapOvr>
     <a:masterClrMapping/>
@@ -4080,13 +3615,7 @@
       </p:grpSpPr>
       <p:sp useBgFill="1">
         <p:nvSpPr>
-          <p:cNvPr id="9" name="Rectangle 8">
-            <a:extLst>
-              <a:ext uri="{FF2B5EF4-FFF2-40B4-BE49-F238E27FC236}">
-                <a16:creationId xmlns:a16="http://schemas.microsoft.com/office/drawing/2014/main" id="{168B77B5-211C-456E-B79F-306CC3619347}"/>
-              </a:ext>
-            </a:extLst>
-          </p:cNvPr>
+          <p:cNvPr id="9" name="Rectangle 8"/>
           <p:cNvSpPr/>
           <p:nvPr/>
         </p:nvSpPr>
@@ -4149,7 +3678,6 @@
               <a:buSzTx/>
               <a:buFontTx/>
               <a:buNone/>
-              <a:tabLst/>
               <a:defRPr/>
             </a:pPr>
             <a:endParaRPr kumimoji="0" lang="en-US" sz="1800" b="0" i="0" u="none" strike="noStrike" kern="1200" cap="none" spc="0" normalizeH="0" baseline="0" noProof="0">
@@ -4171,13 +3699,7 @@
       </p:sp>
       <p:sp>
         <p:nvSpPr>
-          <p:cNvPr id="11" name="Rectangle 10">
-            <a:extLst>
-              <a:ext uri="{FF2B5EF4-FFF2-40B4-BE49-F238E27FC236}">
-                <a16:creationId xmlns:a16="http://schemas.microsoft.com/office/drawing/2014/main" id="{3B63C338-194D-4F23-ABEC-60A7EA96F302}"/>
-              </a:ext>
-            </a:extLst>
-          </p:cNvPr>
+          <p:cNvPr id="11" name="Rectangle 10"/>
           <p:cNvSpPr/>
           <p:nvPr/>
         </p:nvSpPr>
@@ -4230,7 +3752,6 @@
               <a:buSzTx/>
               <a:buFontTx/>
               <a:buNone/>
-              <a:tabLst/>
               <a:defRPr/>
             </a:pPr>
             <a:endParaRPr kumimoji="0" lang="en-US" sz="1800" b="0" i="0" u="none" strike="noStrike" kern="1200" cap="none" spc="0" normalizeH="0" baseline="0" noProof="0">
@@ -4252,13 +3773,7 @@
       </p:sp>
       <p:sp>
         <p:nvSpPr>
-          <p:cNvPr id="2" name="Title 1">
-            <a:extLst>
-              <a:ext uri="{FF2B5EF4-FFF2-40B4-BE49-F238E27FC236}">
-                <a16:creationId xmlns:a16="http://schemas.microsoft.com/office/drawing/2014/main" id="{A0C04DCC-0E3E-4F05-9FAC-9FA6CA4B2BAE}"/>
-              </a:ext>
-            </a:extLst>
-          </p:cNvPr>
+          <p:cNvPr id="2" name="Title 1"/>
           <p:cNvSpPr>
             <a:spLocks noGrp="1"/>
           </p:cNvSpPr>
@@ -4289,18 +3804,13 @@
               <a:rPr lang="en-US" dirty="0"/>
               <a:t>Click to edit Master title style</a:t>
             </a:r>
-          </a:p>
-        </p:txBody>
-      </p:sp>
-      <p:sp>
-        <p:nvSpPr>
-          <p:cNvPr id="3" name="Picture Placeholder 2">
-            <a:extLst>
-              <a:ext uri="{FF2B5EF4-FFF2-40B4-BE49-F238E27FC236}">
-                <a16:creationId xmlns:a16="http://schemas.microsoft.com/office/drawing/2014/main" id="{EBA29649-B19F-499E-8E9A-3577EAC8F031}"/>
-              </a:ext>
-            </a:extLst>
-          </p:cNvPr>
+            <a:endParaRPr lang="en-US" dirty="0"/>
+          </a:p>
+        </p:txBody>
+      </p:sp>
+      <p:sp>
+        <p:nvSpPr>
+          <p:cNvPr id="3" name="Picture Placeholder 2"/>
           <p:cNvSpPr>
             <a:spLocks noGrp="1"/>
           </p:cNvSpPr>
@@ -4361,18 +3871,13 @@
               <a:rPr lang="en-US" dirty="0"/>
               <a:t>Click icon to add picture</a:t>
             </a:r>
-          </a:p>
-        </p:txBody>
-      </p:sp>
-      <p:sp>
-        <p:nvSpPr>
-          <p:cNvPr id="4" name="Text Placeholder 3">
-            <a:extLst>
-              <a:ext uri="{FF2B5EF4-FFF2-40B4-BE49-F238E27FC236}">
-                <a16:creationId xmlns:a16="http://schemas.microsoft.com/office/drawing/2014/main" id="{1BC9EF2E-A8CD-41A1-B11A-0D8842797A98}"/>
-              </a:ext>
-            </a:extLst>
-          </p:cNvPr>
+            <a:endParaRPr lang="en-US" dirty="0"/>
+          </a:p>
+        </p:txBody>
+      </p:sp>
+      <p:sp>
+        <p:nvSpPr>
+          <p:cNvPr id="4" name="Text Placeholder 3"/>
           <p:cNvSpPr>
             <a:spLocks noGrp="1"/>
           </p:cNvSpPr>
@@ -4434,18 +3939,13 @@
               <a:rPr lang="en-US" dirty="0"/>
               <a:t>Click to edit Master text styles</a:t>
             </a:r>
-          </a:p>
-        </p:txBody>
-      </p:sp>
-      <p:sp>
-        <p:nvSpPr>
-          <p:cNvPr id="5" name="Date Placeholder 4">
-            <a:extLst>
-              <a:ext uri="{FF2B5EF4-FFF2-40B4-BE49-F238E27FC236}">
-                <a16:creationId xmlns:a16="http://schemas.microsoft.com/office/drawing/2014/main" id="{B44257B5-0DE0-401F-9171-E8687A97DBA7}"/>
-              </a:ext>
-            </a:extLst>
-          </p:cNvPr>
+            <a:endParaRPr lang="en-US" dirty="0"/>
+          </a:p>
+        </p:txBody>
+      </p:sp>
+      <p:sp>
+        <p:nvSpPr>
+          <p:cNvPr id="5" name="Date Placeholder 4"/>
           <p:cNvSpPr>
             <a:spLocks noGrp="1"/>
           </p:cNvSpPr>
@@ -4465,7 +3965,6 @@
           <a:p>
             <a:fld id="{02AC24A9-CCB6-4F8D-B8DB-C2F3692CFA5A}" type="datetimeFigureOut">
               <a:rPr lang="en-US" smtClean="0"/>
-              <a:t>5/14/2022</a:t>
             </a:fld>
             <a:endParaRPr lang="en-US"/>
           </a:p>
@@ -4473,13 +3972,7 @@
       </p:sp>
       <p:sp>
         <p:nvSpPr>
-          <p:cNvPr id="6" name="Footer Placeholder 5">
-            <a:extLst>
-              <a:ext uri="{FF2B5EF4-FFF2-40B4-BE49-F238E27FC236}">
-                <a16:creationId xmlns:a16="http://schemas.microsoft.com/office/drawing/2014/main" id="{788CD9AD-D667-4FD4-AA34-428AA0BCD09E}"/>
-              </a:ext>
-            </a:extLst>
-          </p:cNvPr>
+          <p:cNvPr id="6" name="Footer Placeholder 5"/>
           <p:cNvSpPr>
             <a:spLocks noGrp="1"/>
           </p:cNvSpPr>
@@ -4498,13 +3991,7 @@
       </p:sp>
       <p:sp>
         <p:nvSpPr>
-          <p:cNvPr id="7" name="Slide Number Placeholder 6">
-            <a:extLst>
-              <a:ext uri="{FF2B5EF4-FFF2-40B4-BE49-F238E27FC236}">
-                <a16:creationId xmlns:a16="http://schemas.microsoft.com/office/drawing/2014/main" id="{18770FB6-F273-4BA6-8B97-9835AC537871}"/>
-              </a:ext>
-            </a:extLst>
-          </p:cNvPr>
+          <p:cNvPr id="7" name="Slide Number Placeholder 6"/>
           <p:cNvSpPr>
             <a:spLocks noGrp="1"/>
           </p:cNvSpPr>
@@ -4519,18 +4006,12 @@
           <a:p>
             <a:fld id="{B2DC25EE-239B-4C5F-AAD1-255A7D5F1EE2}" type="slidenum">
               <a:rPr lang="en-US" smtClean="0"/>
-              <a:t>‹#›</a:t>
             </a:fld>
             <a:endParaRPr lang="en-US"/>
           </a:p>
         </p:txBody>
       </p:sp>
     </p:spTree>
-    <p:extLst>
-      <p:ext uri="{BB962C8B-B14F-4D97-AF65-F5344CB8AC3E}">
-        <p14:creationId xmlns:p14="http://schemas.microsoft.com/office/powerpoint/2010/main" val="3948731097"/>
-      </p:ext>
-    </p:extLst>
   </p:cSld>
   <p:clrMapOvr>
     <a:masterClrMapping/>
@@ -4565,13 +4046,7 @@
       </p:grpSpPr>
       <p:sp>
         <p:nvSpPr>
-          <p:cNvPr id="2" name="Title Placeholder 1">
-            <a:extLst>
-              <a:ext uri="{FF2B5EF4-FFF2-40B4-BE49-F238E27FC236}">
-                <a16:creationId xmlns:a16="http://schemas.microsoft.com/office/drawing/2014/main" id="{BB325BDE-35A4-4AAD-960B-C1415864ADD9}"/>
-              </a:ext>
-            </a:extLst>
-          </p:cNvPr>
+          <p:cNvPr id="2" name="Title Placeholder 1"/>
           <p:cNvSpPr>
             <a:spLocks noGrp="1"/>
           </p:cNvSpPr>
@@ -4604,13 +4079,7 @@
       </p:sp>
       <p:sp>
         <p:nvSpPr>
-          <p:cNvPr id="3" name="Text Placeholder 2">
-            <a:extLst>
-              <a:ext uri="{FF2B5EF4-FFF2-40B4-BE49-F238E27FC236}">
-                <a16:creationId xmlns:a16="http://schemas.microsoft.com/office/drawing/2014/main" id="{BE459C78-0CC4-4552-93DD-49B4194D005D}"/>
-              </a:ext>
-            </a:extLst>
-          </p:cNvPr>
+          <p:cNvPr id="3" name="Text Placeholder 2"/>
           <p:cNvSpPr>
             <a:spLocks noGrp="1"/>
           </p:cNvSpPr>
@@ -4638,6 +4107,7 @@
               <a:rPr lang="en-US"/>
               <a:t>Click to edit Master text styles</a:t>
             </a:r>
+            <a:endParaRPr lang="en-US"/>
           </a:p>
           <a:p>
             <a:pPr lvl="1"/>
@@ -4645,6 +4115,7 @@
               <a:rPr lang="en-US"/>
               <a:t>Second level</a:t>
             </a:r>
+            <a:endParaRPr lang="en-US"/>
           </a:p>
           <a:p>
             <a:pPr lvl="2"/>
@@ -4652,6 +4123,7 @@
               <a:rPr lang="en-US"/>
               <a:t>Third level</a:t>
             </a:r>
+            <a:endParaRPr lang="en-US"/>
           </a:p>
           <a:p>
             <a:pPr lvl="3"/>
@@ -4659,6 +4131,7 @@
               <a:rPr lang="en-US"/>
               <a:t>Fourth level</a:t>
             </a:r>
+            <a:endParaRPr lang="en-US"/>
           </a:p>
           <a:p>
             <a:pPr lvl="4"/>
@@ -4672,13 +4145,7 @@
       </p:sp>
       <p:sp>
         <p:nvSpPr>
-          <p:cNvPr id="4" name="Date Placeholder 3">
-            <a:extLst>
-              <a:ext uri="{FF2B5EF4-FFF2-40B4-BE49-F238E27FC236}">
-                <a16:creationId xmlns:a16="http://schemas.microsoft.com/office/drawing/2014/main" id="{06744A3C-9C54-46A6-B3EF-5B36362423EB}"/>
-              </a:ext>
-            </a:extLst>
-          </p:cNvPr>
+          <p:cNvPr id="4" name="Date Placeholder 3"/>
           <p:cNvSpPr>
             <a:spLocks noGrp="1"/>
           </p:cNvSpPr>
@@ -4711,7 +4178,6 @@
           <a:p>
             <a:fld id="{02AC24A9-CCB6-4F8D-B8DB-C2F3692CFA5A}" type="datetimeFigureOut">
               <a:rPr lang="en-US" smtClean="0"/>
-              <a:t>5/14/2022</a:t>
             </a:fld>
             <a:endParaRPr lang="en-US"/>
           </a:p>
@@ -4719,13 +4185,7 @@
       </p:sp>
       <p:sp>
         <p:nvSpPr>
-          <p:cNvPr id="5" name="Footer Placeholder 4">
-            <a:extLst>
-              <a:ext uri="{FF2B5EF4-FFF2-40B4-BE49-F238E27FC236}">
-                <a16:creationId xmlns:a16="http://schemas.microsoft.com/office/drawing/2014/main" id="{07D5A696-7B4B-4181-A961-7D66556D507F}"/>
-              </a:ext>
-            </a:extLst>
-          </p:cNvPr>
+          <p:cNvPr id="5" name="Footer Placeholder 4"/>
           <p:cNvSpPr>
             <a:spLocks noGrp="1"/>
           </p:cNvSpPr>
@@ -4762,13 +4222,7 @@
       </p:sp>
       <p:sp>
         <p:nvSpPr>
-          <p:cNvPr id="6" name="Slide Number Placeholder 5">
-            <a:extLst>
-              <a:ext uri="{FF2B5EF4-FFF2-40B4-BE49-F238E27FC236}">
-                <a16:creationId xmlns:a16="http://schemas.microsoft.com/office/drawing/2014/main" id="{23038CB5-8F4A-401D-A3A9-B27DC15B7A81}"/>
-              </a:ext>
-            </a:extLst>
-          </p:cNvPr>
+          <p:cNvPr id="6" name="Slide Number Placeholder 5"/>
           <p:cNvSpPr>
             <a:spLocks noGrp="1"/>
           </p:cNvSpPr>
@@ -4801,32 +4255,26 @@
           <a:p>
             <a:fld id="{B2DC25EE-239B-4C5F-AAD1-255A7D5F1EE2}" type="slidenum">
               <a:rPr lang="en-US" smtClean="0"/>
-              <a:t>‹#›</a:t>
             </a:fld>
             <a:endParaRPr lang="en-US"/>
           </a:p>
         </p:txBody>
       </p:sp>
     </p:spTree>
-    <p:extLst>
-      <p:ext uri="{BB962C8B-B14F-4D97-AF65-F5344CB8AC3E}">
-        <p14:creationId xmlns:p14="http://schemas.microsoft.com/office/powerpoint/2010/main" val="71784569"/>
-      </p:ext>
-    </p:extLst>
   </p:cSld>
   <p:clrMap bg1="lt1" tx1="dk1" bg2="lt2" tx2="dk2" accent1="accent1" accent2="accent2" accent3="accent3" accent4="accent4" accent5="accent5" accent6="accent6" hlink="hlink" folHlink="folHlink"/>
   <p:sldLayoutIdLst>
-    <p:sldLayoutId id="2147483706" r:id="rId1"/>
-    <p:sldLayoutId id="2147483707" r:id="rId2"/>
-    <p:sldLayoutId id="2147483708" r:id="rId3"/>
-    <p:sldLayoutId id="2147483709" r:id="rId4"/>
-    <p:sldLayoutId id="2147483710" r:id="rId5"/>
-    <p:sldLayoutId id="2147483704" r:id="rId6"/>
-    <p:sldLayoutId id="2147483700" r:id="rId7"/>
-    <p:sldLayoutId id="2147483701" r:id="rId8"/>
-    <p:sldLayoutId id="2147483702" r:id="rId9"/>
-    <p:sldLayoutId id="2147483703" r:id="rId10"/>
-    <p:sldLayoutId id="2147483705" r:id="rId11"/>
+    <p:sldLayoutId id="2147483649" r:id="rId1"/>
+    <p:sldLayoutId id="2147483650" r:id="rId2"/>
+    <p:sldLayoutId id="2147483651" r:id="rId3"/>
+    <p:sldLayoutId id="2147483652" r:id="rId4"/>
+    <p:sldLayoutId id="2147483653" r:id="rId5"/>
+    <p:sldLayoutId id="2147483654" r:id="rId6"/>
+    <p:sldLayoutId id="2147483655" r:id="rId7"/>
+    <p:sldLayoutId id="2147483656" r:id="rId8"/>
+    <p:sldLayoutId id="2147483657" r:id="rId9"/>
+    <p:sldLayoutId id="2147483658" r:id="rId10"/>
+    <p:sldLayoutId id="2147483659" r:id="rId11"/>
   </p:sldLayoutIdLst>
   <p:transition spd="slow">
     <p:wipe/>
@@ -5141,26 +4589,11 @@
       </p:grpSpPr>
       <p:sp useBgFill="1">
         <p:nvSpPr>
-          <p:cNvPr id="64" name="Rectangle 8">
-            <a:extLst>
-              <a:ext uri="{FF2B5EF4-FFF2-40B4-BE49-F238E27FC236}">
-                <a16:creationId xmlns:a16="http://schemas.microsoft.com/office/drawing/2014/main" id="{55666830-9A19-4E01-8505-D6C7F9AC5665}"/>
-              </a:ext>
-              <a:ext uri="{C183D7F6-B498-43B3-948B-1728B52AA6E4}">
-                <adec:decorative xmlns:adec="http://schemas.microsoft.com/office/drawing/2017/decorative" val="1"/>
-              </a:ext>
-            </a:extLst>
-          </p:cNvPr>
+          <p:cNvPr id="64" name="Rectangle 8"/>
           <p:cNvSpPr>
             <a:spLocks noGrp="1" noRot="1" noChangeAspect="1" noMove="1" noResize="1" noEditPoints="1" noAdjustHandles="1" noChangeArrowheads="1" noChangeShapeType="1" noTextEdit="1"/>
           </p:cNvSpPr>
-          <p:nvPr>
-            <p:extLst>
-              <p:ext uri="{386F3935-93C4-4BCD-93E2-E3B085C9AB24}">
-                <p16:designElem xmlns:p16="http://schemas.microsoft.com/office/powerpoint/2015/main" val="1"/>
-              </p:ext>
-            </p:extLst>
-          </p:nvPr>
+          <p:nvPr/>
         </p:nvSpPr>
         <p:spPr>
           <a:xfrm>
@@ -5201,22 +4634,18 @@
       </p:sp>
       <p:pic>
         <p:nvPicPr>
-          <p:cNvPr id="65" name="Picture 3" descr="Ночной звезды на пустыни">
-            <a:extLst>
-              <a:ext uri="{FF2B5EF4-FFF2-40B4-BE49-F238E27FC236}">
-                <a16:creationId xmlns:a16="http://schemas.microsoft.com/office/drawing/2014/main" id="{915ED422-0677-9C03-43AC-C1298C8E9F56}"/>
-              </a:ext>
-            </a:extLst>
-          </p:cNvPr>
+          <p:cNvPr id="65" name="Picture 3" descr="Ночной звезды на пустыни"/>
           <p:cNvPicPr>
             <a:picLocks noChangeAspect="1"/>
           </p:cNvPicPr>
           <p:nvPr/>
         </p:nvPicPr>
         <p:blipFill rotWithShape="1">
-          <a:blip r:embed="rId2"/>
+          <a:blip r:embed="rId1"/>
           <a:srcRect l="13812" r="8445" b="-79"/>
-          <a:stretch/>
+          <a:stretch>
+            <a:fillRect/>
+          </a:stretch>
         </p:blipFill>
         <p:spPr>
           <a:xfrm>
@@ -5264,26 +4693,11 @@
       </p:pic>
       <p:sp useBgFill="1">
         <p:nvSpPr>
-          <p:cNvPr id="66" name="Freeform: Shape 10">
-            <a:extLst>
-              <a:ext uri="{FF2B5EF4-FFF2-40B4-BE49-F238E27FC236}">
-                <a16:creationId xmlns:a16="http://schemas.microsoft.com/office/drawing/2014/main" id="{AE9FC877-7FB6-4D22-9988-35420644E202}"/>
-              </a:ext>
-              <a:ext uri="{C183D7F6-B498-43B3-948B-1728B52AA6E4}">
-                <adec:decorative xmlns:adec="http://schemas.microsoft.com/office/drawing/2017/decorative" val="1"/>
-              </a:ext>
-            </a:extLst>
-          </p:cNvPr>
+          <p:cNvPr id="66" name="Freeform: Shape 10"/>
           <p:cNvSpPr>
             <a:spLocks noGrp="1" noRot="1" noChangeAspect="1" noMove="1" noResize="1" noEditPoints="1" noAdjustHandles="1" noChangeArrowheads="1" noChangeShapeType="1" noTextEdit="1"/>
           </p:cNvSpPr>
-          <p:nvPr>
-            <p:extLst>
-              <p:ext uri="{386F3935-93C4-4BCD-93E2-E3B085C9AB24}">
-                <p16:designElem xmlns:p16="http://schemas.microsoft.com/office/powerpoint/2015/main" val="1"/>
-              </p:ext>
-            </p:extLst>
-          </p:nvPr>
+          <p:nvPr/>
         </p:nvSpPr>
         <p:spPr>
           <a:xfrm>
@@ -5417,7 +4831,6 @@
               <a:buSzTx/>
               <a:buFontTx/>
               <a:buNone/>
-              <a:tabLst/>
               <a:defRPr/>
             </a:pPr>
             <a:endParaRPr kumimoji="0" lang="en-US" sz="1800" b="0" i="0" u="none" strike="noStrike" kern="1200" cap="none" spc="0" normalizeH="0" baseline="0" noProof="0">
@@ -5439,26 +4852,11 @@
       </p:sp>
       <p:sp useBgFill="1">
         <p:nvSpPr>
-          <p:cNvPr id="67" name="Freeform: Shape 12">
-            <a:extLst>
-              <a:ext uri="{FF2B5EF4-FFF2-40B4-BE49-F238E27FC236}">
-                <a16:creationId xmlns:a16="http://schemas.microsoft.com/office/drawing/2014/main" id="{E41809D1-F12E-46BB-B804-5F209D325E8B}"/>
-              </a:ext>
-              <a:ext uri="{C183D7F6-B498-43B3-948B-1728B52AA6E4}">
-                <adec:decorative xmlns:adec="http://schemas.microsoft.com/office/drawing/2017/decorative" val="1"/>
-              </a:ext>
-            </a:extLst>
-          </p:cNvPr>
+          <p:cNvPr id="67" name="Freeform: Shape 12"/>
           <p:cNvSpPr>
             <a:spLocks noGrp="1" noRot="1" noChangeAspect="1" noMove="1" noResize="1" noEditPoints="1" noAdjustHandles="1" noChangeArrowheads="1" noChangeShapeType="1" noTextEdit="1"/>
           </p:cNvSpPr>
-          <p:nvPr>
-            <p:extLst>
-              <p:ext uri="{386F3935-93C4-4BCD-93E2-E3B085C9AB24}">
-                <p16:designElem xmlns:p16="http://schemas.microsoft.com/office/powerpoint/2015/main" val="1"/>
-              </p:ext>
-            </p:extLst>
-          </p:nvPr>
+          <p:nvPr/>
         </p:nvSpPr>
         <p:spPr>
           <a:xfrm>
@@ -5580,7 +4978,6 @@
               <a:buSzTx/>
               <a:buFontTx/>
               <a:buNone/>
-              <a:tabLst/>
               <a:defRPr/>
             </a:pPr>
             <a:endParaRPr kumimoji="0" lang="en-US" sz="1800" b="0" i="0" u="none" strike="noStrike" kern="1200" cap="none" spc="0" normalizeH="0" baseline="0" noProof="0">
@@ -5624,8 +5021,8 @@
           <a:p>
             <a:r>
               <a:rPr lang="ru-RU" sz="4800" dirty="0">
-                <a:latin typeface="Segoe UI Light"/>
-                <a:cs typeface="Segoe UI Light"/>
+                <a:latin typeface="Segoe UI Light" panose="020B0502040204020203"/>
+                <a:cs typeface="Segoe UI Light" panose="020B0502040204020203"/>
               </a:rPr>
               <a:t>Генератор псевдо-случайных паролей на C++</a:t>
             </a:r>
@@ -5635,55 +5032,11 @@
       </p:sp>
       <p:sp>
         <p:nvSpPr>
-          <p:cNvPr id="3" name="Подзаголовок 2"/>
-          <p:cNvSpPr>
-            <a:spLocks noGrp="1"/>
-          </p:cNvSpPr>
-          <p:nvPr>
-            <p:ph type="subTitle" idx="1"/>
-          </p:nvPr>
-        </p:nvSpPr>
-        <p:spPr>
-          <a:xfrm>
-            <a:off x="477981" y="4872922"/>
-            <a:ext cx="3933306" cy="1208141"/>
-          </a:xfrm>
-        </p:spPr>
-        <p:txBody>
-          <a:bodyPr vert="horz" lIns="91440" tIns="45720" rIns="91440" bIns="45720" rtlCol="0" anchor="t">
-            <a:normAutofit/>
-          </a:bodyPr>
-          <a:lstStyle/>
-          <a:p>
-            <a:endParaRPr lang="ru-RU" sz="2000" dirty="0">
-              <a:latin typeface="Segoe UI Light"/>
-              <a:cs typeface="Segoe UI Light"/>
-            </a:endParaRPr>
-          </a:p>
-        </p:txBody>
-      </p:sp>
-      <p:sp>
-        <p:nvSpPr>
-          <p:cNvPr id="68" name="Rectangle 14">
-            <a:extLst>
-              <a:ext uri="{FF2B5EF4-FFF2-40B4-BE49-F238E27FC236}">
-                <a16:creationId xmlns:a16="http://schemas.microsoft.com/office/drawing/2014/main" id="{AF2F604E-43BE-4DC3-B983-E071523364F8}"/>
-              </a:ext>
-              <a:ext uri="{C183D7F6-B498-43B3-948B-1728B52AA6E4}">
-                <adec:decorative xmlns:adec="http://schemas.microsoft.com/office/drawing/2017/decorative" val="1"/>
-              </a:ext>
-            </a:extLst>
-          </p:cNvPr>
+          <p:cNvPr id="68" name="Rectangle 14"/>
           <p:cNvSpPr>
             <a:spLocks noGrp="1" noRot="1" noChangeAspect="1" noMove="1" noResize="1" noEditPoints="1" noAdjustHandles="1" noChangeArrowheads="1" noChangeShapeType="1" noTextEdit="1"/>
           </p:cNvSpPr>
-          <p:nvPr>
-            <p:extLst>
-              <p:ext uri="{386F3935-93C4-4BCD-93E2-E3B085C9AB24}">
-                <p16:designElem xmlns:p16="http://schemas.microsoft.com/office/powerpoint/2015/main" val="1"/>
-              </p:ext>
-            </p:extLst>
-          </p:nvPr>
+          <p:nvPr/>
         </p:nvSpPr>
         <p:spPr>
           <a:xfrm rot="5400000">
@@ -5734,7 +5087,6 @@
               <a:buSzTx/>
               <a:buFontTx/>
               <a:buNone/>
-              <a:tabLst/>
               <a:defRPr/>
             </a:pPr>
             <a:endParaRPr kumimoji="0" lang="en-US" sz="1800" b="0" i="0" u="none" strike="noStrike" kern="1200" cap="none" spc="0" normalizeH="0" baseline="0" noProof="0">
@@ -5756,26 +5108,11 @@
       </p:sp>
       <p:sp>
         <p:nvSpPr>
-          <p:cNvPr id="69" name="Rectangle 16">
-            <a:extLst>
-              <a:ext uri="{FF2B5EF4-FFF2-40B4-BE49-F238E27FC236}">
-                <a16:creationId xmlns:a16="http://schemas.microsoft.com/office/drawing/2014/main" id="{08C9B587-E65E-4B52-B37C-ABEBB6E87928}"/>
-              </a:ext>
-              <a:ext uri="{C183D7F6-B498-43B3-948B-1728B52AA6E4}">
-                <adec:decorative xmlns:adec="http://schemas.microsoft.com/office/drawing/2017/decorative" val="1"/>
-              </a:ext>
-            </a:extLst>
-          </p:cNvPr>
+          <p:cNvPr id="69" name="Rectangle 16"/>
           <p:cNvSpPr>
             <a:spLocks noGrp="1" noRot="1" noChangeAspect="1" noMove="1" noResize="1" noEditPoints="1" noAdjustHandles="1" noChangeArrowheads="1" noChangeShapeType="1" noTextEdit="1"/>
           </p:cNvSpPr>
-          <p:nvPr>
-            <p:extLst>
-              <p:ext uri="{386F3935-93C4-4BCD-93E2-E3B085C9AB24}">
-                <p16:designElem xmlns:p16="http://schemas.microsoft.com/office/powerpoint/2015/main" val="1"/>
-              </p:ext>
-            </p:extLst>
-          </p:nvPr>
+          <p:nvPr/>
         </p:nvSpPr>
         <p:spPr>
           <a:xfrm>
@@ -5830,7 +5167,6 @@
               <a:buSzTx/>
               <a:buFontTx/>
               <a:buNone/>
-              <a:tabLst/>
               <a:defRPr/>
             </a:pPr>
             <a:endParaRPr kumimoji="0" lang="en-US" sz="1800" b="0" i="0" u="none" strike="noStrike" kern="1200" cap="none" spc="0" normalizeH="0" baseline="0" noProof="0">
@@ -5851,11 +5187,6 @@
         </p:txBody>
       </p:sp>
     </p:spTree>
-    <p:extLst>
-      <p:ext uri="{BB962C8B-B14F-4D97-AF65-F5344CB8AC3E}">
-        <p14:creationId xmlns:p14="http://schemas.microsoft.com/office/powerpoint/2010/main" val="1351651579"/>
-      </p:ext>
-    </p:extLst>
   </p:cSld>
   <p:clrMapOvr>
     <a:masterClrMapping/>
@@ -5885,13 +5216,7 @@
       </p:grpSpPr>
       <p:sp>
         <p:nvSpPr>
-          <p:cNvPr id="2" name="Заголовок 1">
-            <a:extLst>
-              <a:ext uri="{FF2B5EF4-FFF2-40B4-BE49-F238E27FC236}">
-                <a16:creationId xmlns:a16="http://schemas.microsoft.com/office/drawing/2014/main" id="{44785443-E8BF-FECB-0DA8-6F72449A4FCE}"/>
-              </a:ext>
-            </a:extLst>
-          </p:cNvPr>
+          <p:cNvPr id="2" name="Заголовок 1"/>
           <p:cNvSpPr>
             <a:spLocks noGrp="1"/>
           </p:cNvSpPr>
@@ -5908,30 +5233,28 @@
           <a:p>
             <a:r>
               <a:rPr lang="ru-RU" sz="4400" b="1" dirty="0">
-                <a:latin typeface="Segoe UI"/>
-                <a:cs typeface="Segoe UI"/>
+                <a:latin typeface="Segoe UI" panose="020B0502040204020203"/>
+                <a:cs typeface="Segoe UI" panose="020B0502040204020203"/>
               </a:rPr>
               <a:t>Идея</a:t>
             </a:r>
             <a:r>
               <a:rPr lang="ru-RU" sz="4800" b="1" dirty="0">
-                <a:latin typeface="Segoe UI"/>
-                <a:cs typeface="Segoe UI"/>
+                <a:latin typeface="Segoe UI" panose="020B0502040204020203"/>
+                <a:cs typeface="Segoe UI" panose="020B0502040204020203"/>
               </a:rPr>
               <a:t> проекта и поставленная задача</a:t>
             </a:r>
-          </a:p>
-        </p:txBody>
-      </p:sp>
-      <p:sp>
-        <p:nvSpPr>
-          <p:cNvPr id="3" name="Объект 2">
-            <a:extLst>
-              <a:ext uri="{FF2B5EF4-FFF2-40B4-BE49-F238E27FC236}">
-                <a16:creationId xmlns:a16="http://schemas.microsoft.com/office/drawing/2014/main" id="{58311352-7AE9-1E0D-9A13-3185D9D58357}"/>
-              </a:ext>
-            </a:extLst>
-          </p:cNvPr>
+            <a:endParaRPr lang="ru-RU" sz="4800" b="1" dirty="0">
+              <a:latin typeface="Segoe UI" panose="020B0502040204020203"/>
+              <a:cs typeface="Segoe UI" panose="020B0502040204020203"/>
+            </a:endParaRPr>
+          </a:p>
+        </p:txBody>
+      </p:sp>
+      <p:sp>
+        <p:nvSpPr>
+          <p:cNvPr id="3" name="Объект 2"/>
           <p:cNvSpPr>
             <a:spLocks noGrp="1"/>
           </p:cNvSpPr>
@@ -5951,8 +5274,8 @@
             </a:pPr>
             <a:r>
               <a:rPr lang="ru-RU" sz="3200" dirty="0">
-                <a:latin typeface="Segoe UI Light"/>
-                <a:cs typeface="Segoe UI Light"/>
+                <a:latin typeface="Segoe UI Light" panose="020B0502040204020203"/>
+                <a:cs typeface="Segoe UI Light" panose="020B0502040204020203"/>
               </a:rPr>
               <a:t>Идея проекта заключается в том, чтобы сделать генератор псевдо-случайных паролей на C++.</a:t>
             </a:r>
@@ -5964,20 +5287,19 @@
             </a:pPr>
             <a:r>
               <a:rPr lang="ru-RU" sz="3200" dirty="0">
-                <a:latin typeface="Segoe UI Light"/>
-                <a:cs typeface="Segoe UI Light"/>
+                <a:latin typeface="Segoe UI Light" panose="020B0502040204020203"/>
+                <a:cs typeface="Segoe UI Light" panose="020B0502040204020203"/>
               </a:rPr>
               <a:t>То есть при вводе названия сайта и мастер-пароля программа должна генерировать пароль, специфичный для именно введённого веб-сайта и ключа.</a:t>
             </a:r>
+            <a:endParaRPr lang="ru-RU" sz="3200" dirty="0">
+              <a:latin typeface="Segoe UI Light" panose="020B0502040204020203"/>
+              <a:cs typeface="Segoe UI Light" panose="020B0502040204020203"/>
+            </a:endParaRPr>
           </a:p>
         </p:txBody>
       </p:sp>
     </p:spTree>
-    <p:extLst>
-      <p:ext uri="{BB962C8B-B14F-4D97-AF65-F5344CB8AC3E}">
-        <p14:creationId xmlns:p14="http://schemas.microsoft.com/office/powerpoint/2010/main" val="917620316"/>
-      </p:ext>
-    </p:extLst>
   </p:cSld>
   <p:clrMapOvr>
     <a:masterClrMapping/>
@@ -5997,23 +5319,10 @@
         <p:cNvGrpSpPr/>
         <p:nvPr/>
       </p:nvGrpSpPr>
-      <p:grpSpPr>
-        <a:xfrm>
-          <a:off x="0" y="0"/>
-          <a:ext cx="0" cy="0"/>
-          <a:chOff x="0" y="0"/>
-          <a:chExt cx="0" cy="0"/>
-        </a:xfrm>
-      </p:grpSpPr>
-      <p:sp>
-        <p:nvSpPr>
-          <p:cNvPr id="2" name="Заголовок 1">
-            <a:extLst>
-              <a:ext uri="{FF2B5EF4-FFF2-40B4-BE49-F238E27FC236}">
-                <a16:creationId xmlns:a16="http://schemas.microsoft.com/office/drawing/2014/main" id="{F82C0326-BC34-3BD4-021B-2B3FAFB5DC8C}"/>
-              </a:ext>
-            </a:extLst>
-          </p:cNvPr>
+      <p:grpSpPr/>
+      <p:sp>
+        <p:nvSpPr>
+          <p:cNvPr id="2" name="Заголовок 1"/>
           <p:cNvSpPr>
             <a:spLocks noGrp="1"/>
           </p:cNvSpPr>
@@ -6023,175 +5332,56 @@
         </p:nvSpPr>
         <p:spPr/>
         <p:txBody>
+          <a:bodyPr/>
+          <a:p>
+            <a:r>
+              <a:rPr lang="ru-RU" altLang="en-US" sz="4300" b="1">
+                <a:latin typeface="Segoe UI" panose="020B0502040204020203" charset="0"/>
+                <a:cs typeface="Segoe UI" panose="020B0502040204020203" charset="0"/>
+              </a:rPr>
+              <a:t>Актуальность</a:t>
+            </a:r>
+            <a:endParaRPr lang="ru-RU" altLang="en-US" sz="4300" b="1">
+              <a:latin typeface="Segoe UI" panose="020B0502040204020203" charset="0"/>
+              <a:cs typeface="Segoe UI" panose="020B0502040204020203" charset="0"/>
+            </a:endParaRPr>
+          </a:p>
+        </p:txBody>
+      </p:sp>
+      <p:sp>
+        <p:nvSpPr>
+          <p:cNvPr id="3" name="Замещающее содержимое 2"/>
+          <p:cNvSpPr>
+            <a:spLocks noGrp="1"/>
+          </p:cNvSpPr>
+          <p:nvPr>
+            <p:ph idx="1"/>
+          </p:nvPr>
+        </p:nvSpPr>
+        <p:spPr/>
+        <p:txBody>
           <a:bodyPr>
-            <a:normAutofit/>
+            <a:normAutofit lnSpcReduction="10000"/>
           </a:bodyPr>
-          <a:lstStyle/>
-          <a:p>
-            <a:r>
-              <a:rPr lang="ru-RU" sz="4300" b="1" dirty="0">
-                <a:latin typeface="Segoe UI"/>
-                <a:cs typeface="Segoe UI"/>
+          <a:p>
+            <a:pPr marL="0" indent="0">
+              <a:buNone/>
+            </a:pPr>
+            <a:r>
+              <a:rPr lang="ru-RU" altLang="en-US" sz="3200">
+                <a:latin typeface="Segoe UI Light" panose="020B0502040204020203" charset="0"/>
+                <a:cs typeface="Segoe UI Light" panose="020B0502040204020203" charset="0"/>
               </a:rPr>
-              <a:t>Алгоритм работы</a:t>
-            </a:r>
-            <a:endParaRPr lang="ru-RU" sz="4300" dirty="0"/>
-          </a:p>
-        </p:txBody>
-      </p:sp>
-      <p:sp>
-        <p:nvSpPr>
-          <p:cNvPr id="3" name="Объект 2">
-            <a:extLst>
-              <a:ext uri="{FF2B5EF4-FFF2-40B4-BE49-F238E27FC236}">
-                <a16:creationId xmlns:a16="http://schemas.microsoft.com/office/drawing/2014/main" id="{3E828EC3-02B7-D6EF-7D27-E6BFAD440098}"/>
-              </a:ext>
-            </a:extLst>
-          </p:cNvPr>
-          <p:cNvSpPr>
-            <a:spLocks noGrp="1"/>
-          </p:cNvSpPr>
-          <p:nvPr>
-            <p:ph idx="1"/>
-          </p:nvPr>
-        </p:nvSpPr>
-        <p:spPr/>
-        <p:txBody>
-          <a:bodyPr vert="horz" lIns="91440" tIns="45720" rIns="91440" bIns="45720" rtlCol="0" anchor="t">
-            <a:normAutofit/>
-          </a:bodyPr>
-          <a:lstStyle/>
-          <a:p>
-            <a:pPr marL="0" indent="0">
-              <a:buNone/>
-            </a:pPr>
-            <a:r>
-              <a:rPr lang="ru-RU" dirty="0">
-                <a:latin typeface="Segoe UI Light"/>
-                <a:cs typeface="Segoe UI Light"/>
-              </a:rPr>
-              <a:t>Ввод мастер-пароля —&gt; Ввод названия сайта —&gt; Генерация пароля для этого сайта, используя псевдо-рандом и мастер-пароль —&gt; Вывод пароля для этого сайта</a:t>
-            </a:r>
-          </a:p>
-          <a:p>
-            <a:pPr marL="0" indent="0">
-              <a:buNone/>
-            </a:pPr>
-            <a:endParaRPr lang="ru-RU" dirty="0">
-              <a:latin typeface="Segoe UI Light"/>
-              <a:cs typeface="Segoe UI Light"/>
+              <a:t>В современном мире пароли нужны почти повсеместно, чтобы данные пользователя оставались его личными данными и были в безопасности. Для этого и была сделана эта программа - для генерации псевдо-случайных паролей. Если злоумышленник попытается получить пароли, то без нужного ключа у него это не выйдет.</a:t>
+            </a:r>
+            <a:endParaRPr lang="ru-RU" altLang="en-US" sz="3200">
+              <a:latin typeface="Segoe UI Light" panose="020B0502040204020203" charset="0"/>
+              <a:cs typeface="Segoe UI Light" panose="020B0502040204020203" charset="0"/>
             </a:endParaRPr>
           </a:p>
-          <a:p>
-            <a:pPr marL="0" indent="0">
-              <a:buNone/>
-            </a:pPr>
-            <a:r>
-              <a:rPr lang="ru-RU" dirty="0">
-                <a:latin typeface="Segoe UI Light"/>
-                <a:cs typeface="Segoe UI Light"/>
-              </a:rPr>
-              <a:t>Алгоритм в скриншотах:</a:t>
-            </a:r>
-          </a:p>
-        </p:txBody>
-      </p:sp>
-      <p:pic>
-        <p:nvPicPr>
-          <p:cNvPr id="4" name="Рисунок 4">
-            <a:extLst>
-              <a:ext uri="{FF2B5EF4-FFF2-40B4-BE49-F238E27FC236}">
-                <a16:creationId xmlns:a16="http://schemas.microsoft.com/office/drawing/2014/main" id="{A3BA43D4-10B2-A812-8261-112C410A1BA4}"/>
-              </a:ext>
-            </a:extLst>
-          </p:cNvPr>
-          <p:cNvPicPr>
-            <a:picLocks noChangeAspect="1"/>
-          </p:cNvPicPr>
-          <p:nvPr/>
-        </p:nvPicPr>
-        <p:blipFill>
-          <a:blip r:embed="rId2"/>
-          <a:stretch>
-            <a:fillRect/>
-          </a:stretch>
-        </p:blipFill>
-        <p:spPr>
-          <a:xfrm>
-            <a:off x="1114425" y="5368383"/>
-            <a:ext cx="2175881" cy="312234"/>
-          </a:xfrm>
-          <a:prstGeom prst="rect">
-            <a:avLst/>
-          </a:prstGeom>
-        </p:spPr>
-      </p:pic>
-      <p:pic>
-        <p:nvPicPr>
-          <p:cNvPr id="5" name="Рисунок 5">
-            <a:extLst>
-              <a:ext uri="{FF2B5EF4-FFF2-40B4-BE49-F238E27FC236}">
-                <a16:creationId xmlns:a16="http://schemas.microsoft.com/office/drawing/2014/main" id="{BE1607AC-0154-C7EC-C7D9-CD01BCE2E8E5}"/>
-              </a:ext>
-            </a:extLst>
-          </p:cNvPr>
-          <p:cNvPicPr>
-            <a:picLocks noChangeAspect="1"/>
-          </p:cNvPicPr>
-          <p:nvPr/>
-        </p:nvPicPr>
-        <p:blipFill>
-          <a:blip r:embed="rId3"/>
-          <a:stretch>
-            <a:fillRect/>
-          </a:stretch>
-        </p:blipFill>
-        <p:spPr>
-          <a:xfrm>
-            <a:off x="4048009" y="5286723"/>
-            <a:ext cx="2293201" cy="466260"/>
-          </a:xfrm>
-          <a:prstGeom prst="rect">
-            <a:avLst/>
-          </a:prstGeom>
-        </p:spPr>
-      </p:pic>
-      <p:pic>
-        <p:nvPicPr>
-          <p:cNvPr id="6" name="Рисунок 6" descr="Изображение выглядит как текст&#10;&#10;Автоматически созданное описание">
-            <a:extLst>
-              <a:ext uri="{FF2B5EF4-FFF2-40B4-BE49-F238E27FC236}">
-                <a16:creationId xmlns:a16="http://schemas.microsoft.com/office/drawing/2014/main" id="{B63EB9C3-6FAB-4769-FAE0-438CF6E16A81}"/>
-              </a:ext>
-            </a:extLst>
-          </p:cNvPr>
-          <p:cNvPicPr>
-            <a:picLocks noChangeAspect="1"/>
-          </p:cNvPicPr>
-          <p:nvPr/>
-        </p:nvPicPr>
-        <p:blipFill>
-          <a:blip r:embed="rId4"/>
-          <a:stretch>
-            <a:fillRect/>
-          </a:stretch>
-        </p:blipFill>
-        <p:spPr>
-          <a:xfrm>
-            <a:off x="7090782" y="5211453"/>
-            <a:ext cx="2647485" cy="616801"/>
-          </a:xfrm>
-          <a:prstGeom prst="rect">
-            <a:avLst/>
-          </a:prstGeom>
-        </p:spPr>
-      </p:pic>
+        </p:txBody>
+      </p:sp>
     </p:spTree>
-    <p:extLst>
-      <p:ext uri="{BB962C8B-B14F-4D97-AF65-F5344CB8AC3E}">
-        <p14:creationId xmlns:p14="http://schemas.microsoft.com/office/powerpoint/2010/main" val="2323779368"/>
-      </p:ext>
-    </p:extLst>
   </p:cSld>
   <p:clrMapOvr>
     <a:masterClrMapping/>
@@ -6221,13 +5411,7 @@
       </p:grpSpPr>
       <p:sp>
         <p:nvSpPr>
-          <p:cNvPr id="2" name="Заголовок 1">
-            <a:extLst>
-              <a:ext uri="{FF2B5EF4-FFF2-40B4-BE49-F238E27FC236}">
-                <a16:creationId xmlns:a16="http://schemas.microsoft.com/office/drawing/2014/main" id="{3C1B3A7C-11F6-EEDF-C06C-140B968016F3}"/>
-              </a:ext>
-            </a:extLst>
-          </p:cNvPr>
+          <p:cNvPr id="2" name="Заголовок 1"/>
           <p:cNvSpPr>
             <a:spLocks noGrp="1"/>
           </p:cNvSpPr>
@@ -6244,23 +5428,18 @@
           <a:p>
             <a:r>
               <a:rPr lang="ru-RU" sz="4300" b="1" dirty="0">
-                <a:latin typeface="Segoe UI"/>
-                <a:cs typeface="Segoe UI"/>
+                <a:latin typeface="Segoe UI" panose="020B0502040204020203"/>
+                <a:cs typeface="Segoe UI" panose="020B0502040204020203"/>
               </a:rPr>
-              <a:t>Этапы решения</a:t>
-            </a:r>
-          </a:p>
-        </p:txBody>
-      </p:sp>
-      <p:sp>
-        <p:nvSpPr>
-          <p:cNvPr id="3" name="Объект 2">
-            <a:extLst>
-              <a:ext uri="{FF2B5EF4-FFF2-40B4-BE49-F238E27FC236}">
-                <a16:creationId xmlns:a16="http://schemas.microsoft.com/office/drawing/2014/main" id="{459E7C94-C310-9BF4-48C6-08D246D05682}"/>
-              </a:ext>
-            </a:extLst>
-          </p:cNvPr>
+              <a:t>Алгоритм работы</a:t>
+            </a:r>
+            <a:endParaRPr lang="ru-RU" sz="4300" dirty="0"/>
+          </a:p>
+        </p:txBody>
+      </p:sp>
+      <p:sp>
+        <p:nvSpPr>
+          <p:cNvPr id="3" name="Объект 2"/>
           <p:cNvSpPr>
             <a:spLocks noGrp="1"/>
           </p:cNvSpPr>
@@ -6280,32 +5459,116 @@
             </a:pPr>
             <a:r>
               <a:rPr lang="ru-RU" dirty="0">
-                <a:latin typeface="Segoe UI Light"/>
-                <a:cs typeface="Segoe UI"/>
+                <a:latin typeface="Segoe UI Light" panose="020B0502040204020203"/>
+                <a:cs typeface="Segoe UI Light" panose="020B0502040204020203"/>
               </a:rPr>
-              <a:t>Сначала я сделал функцию генерации случайных чисел, затем функцию генерации символов, потом функцию генерации пароля, используя две функции, которые я создал перед этим, далее я добавил функции ввода/вывода, и в конце я немного переделал код под использование мастер-пароля.</a:t>
-            </a:r>
+              <a:t>Ввод мастер-пароля —&gt; Ввод названия сайта —&gt; Генерация пароля для этого сайта, используя псевдо-рандом и мастер-пароль —&gt; Вывод пароля для этого сайта</a:t>
+            </a:r>
+            <a:endParaRPr lang="ru-RU" dirty="0">
+              <a:latin typeface="Segoe UI Light" panose="020B0502040204020203"/>
+              <a:cs typeface="Segoe UI Light" panose="020B0502040204020203"/>
+            </a:endParaRPr>
           </a:p>
           <a:p>
             <a:pPr marL="0" indent="0">
               <a:buNone/>
             </a:pPr>
+            <a:endParaRPr lang="ru-RU" dirty="0">
+              <a:latin typeface="Segoe UI Light" panose="020B0502040204020203"/>
+              <a:cs typeface="Segoe UI Light" panose="020B0502040204020203"/>
+            </a:endParaRPr>
+          </a:p>
+          <a:p>
+            <a:pPr marL="0" indent="0">
+              <a:buNone/>
+            </a:pPr>
             <a:r>
               <a:rPr lang="ru-RU" dirty="0">
-                <a:latin typeface="Segoe UI Light"/>
-                <a:cs typeface="Segoe UI"/>
+                <a:latin typeface="Segoe UI Light" panose="020B0502040204020203"/>
+                <a:cs typeface="Segoe UI Light" panose="020B0502040204020203"/>
               </a:rPr>
-              <a:t>Также интересный факт: код переделывался с нуля 3 раза.</a:t>
-            </a:r>
-          </a:p>
-        </p:txBody>
-      </p:sp>
+              <a:t>Алгоритм в скриншотах:</a:t>
+            </a:r>
+            <a:endParaRPr lang="ru-RU" dirty="0">
+              <a:latin typeface="Segoe UI Light" panose="020B0502040204020203"/>
+              <a:cs typeface="Segoe UI Light" panose="020B0502040204020203"/>
+            </a:endParaRPr>
+          </a:p>
+        </p:txBody>
+      </p:sp>
+      <p:pic>
+        <p:nvPicPr>
+          <p:cNvPr id="4" name="Рисунок 4"/>
+          <p:cNvPicPr>
+            <a:picLocks noChangeAspect="1"/>
+          </p:cNvPicPr>
+          <p:nvPr/>
+        </p:nvPicPr>
+        <p:blipFill>
+          <a:blip r:embed="rId1"/>
+          <a:stretch>
+            <a:fillRect/>
+          </a:stretch>
+        </p:blipFill>
+        <p:spPr>
+          <a:xfrm>
+            <a:off x="1114425" y="5368383"/>
+            <a:ext cx="2175881" cy="312234"/>
+          </a:xfrm>
+          <a:prstGeom prst="rect">
+            <a:avLst/>
+          </a:prstGeom>
+        </p:spPr>
+      </p:pic>
+      <p:pic>
+        <p:nvPicPr>
+          <p:cNvPr id="5" name="Рисунок 5"/>
+          <p:cNvPicPr>
+            <a:picLocks noChangeAspect="1"/>
+          </p:cNvPicPr>
+          <p:nvPr/>
+        </p:nvPicPr>
+        <p:blipFill>
+          <a:blip r:embed="rId2"/>
+          <a:stretch>
+            <a:fillRect/>
+          </a:stretch>
+        </p:blipFill>
+        <p:spPr>
+          <a:xfrm>
+            <a:off x="4048009" y="5286723"/>
+            <a:ext cx="2293201" cy="466260"/>
+          </a:xfrm>
+          <a:prstGeom prst="rect">
+            <a:avLst/>
+          </a:prstGeom>
+        </p:spPr>
+      </p:pic>
+      <p:pic>
+        <p:nvPicPr>
+          <p:cNvPr id="6" name="Рисунок 6" descr="Изображение выглядит как текст&#10;&#10;Автоматически созданное описание"/>
+          <p:cNvPicPr>
+            <a:picLocks noChangeAspect="1"/>
+          </p:cNvPicPr>
+          <p:nvPr/>
+        </p:nvPicPr>
+        <p:blipFill>
+          <a:blip r:embed="rId3"/>
+          <a:stretch>
+            <a:fillRect/>
+          </a:stretch>
+        </p:blipFill>
+        <p:spPr>
+          <a:xfrm>
+            <a:off x="7090782" y="5211453"/>
+            <a:ext cx="2647485" cy="616801"/>
+          </a:xfrm>
+          <a:prstGeom prst="rect">
+            <a:avLst/>
+          </a:prstGeom>
+        </p:spPr>
+      </p:pic>
     </p:spTree>
-    <p:extLst>
-      <p:ext uri="{BB962C8B-B14F-4D97-AF65-F5344CB8AC3E}">
-        <p14:creationId xmlns:p14="http://schemas.microsoft.com/office/powerpoint/2010/main" val="1504645550"/>
-      </p:ext>
-    </p:extLst>
   </p:cSld>
   <p:clrMapOvr>
     <a:masterClrMapping/>
@@ -6335,13 +5598,7 @@
       </p:grpSpPr>
       <p:sp>
         <p:nvSpPr>
-          <p:cNvPr id="2" name="Заголовок 1">
-            <a:extLst>
-              <a:ext uri="{FF2B5EF4-FFF2-40B4-BE49-F238E27FC236}">
-                <a16:creationId xmlns:a16="http://schemas.microsoft.com/office/drawing/2014/main" id="{E85FC98C-4EBC-CA04-57F1-AFF1160EECBB}"/>
-              </a:ext>
-            </a:extLst>
-          </p:cNvPr>
+          <p:cNvPr id="2" name="Заголовок 1"/>
           <p:cNvSpPr>
             <a:spLocks noGrp="1"/>
           </p:cNvSpPr>
@@ -6351,29 +5608,28 @@
         </p:nvSpPr>
         <p:spPr/>
         <p:txBody>
-          <a:bodyPr/>
+          <a:bodyPr>
+            <a:normAutofit/>
+          </a:bodyPr>
           <a:lstStyle/>
           <a:p>
             <a:r>
               <a:rPr lang="ru-RU" sz="4300" b="1" dirty="0">
-                <a:latin typeface="Segoe UI"/>
-                <a:cs typeface="Segoe UI"/>
+                <a:latin typeface="Segoe UI" panose="020B0502040204020203"/>
+                <a:cs typeface="Segoe UI" panose="020B0502040204020203"/>
               </a:rPr>
-              <a:t>Трудности</a:t>
-            </a:r>
-            <a:endParaRPr lang="ru-RU" dirty="0"/>
-          </a:p>
-        </p:txBody>
-      </p:sp>
-      <p:sp>
-        <p:nvSpPr>
-          <p:cNvPr id="3" name="Объект 2">
-            <a:extLst>
-              <a:ext uri="{FF2B5EF4-FFF2-40B4-BE49-F238E27FC236}">
-                <a16:creationId xmlns:a16="http://schemas.microsoft.com/office/drawing/2014/main" id="{9F145FE8-A447-2F60-D7DF-E6E6A6655BA6}"/>
-              </a:ext>
-            </a:extLst>
-          </p:cNvPr>
+              <a:t>Этапы решения</a:t>
+            </a:r>
+            <a:endParaRPr lang="ru-RU" sz="4300" b="1" dirty="0">
+              <a:latin typeface="Segoe UI" panose="020B0502040204020203"/>
+              <a:cs typeface="Segoe UI" panose="020B0502040204020203"/>
+            </a:endParaRPr>
+          </a:p>
+        </p:txBody>
+      </p:sp>
+      <p:sp>
+        <p:nvSpPr>
+          <p:cNvPr id="3" name="Объект 2"/>
           <p:cNvSpPr>
             <a:spLocks noGrp="1"/>
           </p:cNvSpPr>
@@ -6393,11 +5649,15 @@
             </a:pPr>
             <a:r>
               <a:rPr lang="ru-RU" dirty="0">
-                <a:latin typeface="Segoe UI Light"/>
-                <a:cs typeface="Segoe UI Light"/>
+                <a:latin typeface="Segoe UI Light" panose="020B0502040204020203"/>
+                <a:cs typeface="Segoe UI" panose="020B0502040204020203"/>
               </a:rPr>
-              <a:t>Трудности, которые возникали у меня при работе с проектом:</a:t>
-            </a:r>
+              <a:t>Сначала я сделал функцию генерации случайных чисел, затем функцию генерации символов, потом функцию генерации пароля, используя две функции, которые я создал перед этим, далее я добавил функции ввода/вывода, и в конце я немного переделал код под использование мастер-пароля.</a:t>
+            </a:r>
+            <a:endParaRPr lang="ru-RU" dirty="0">
+              <a:latin typeface="Segoe UI Light" panose="020B0502040204020203"/>
+              <a:cs typeface="Segoe UI" panose="020B0502040204020203"/>
+            </a:endParaRPr>
           </a:p>
           <a:p>
             <a:pPr marL="0" indent="0">
@@ -6405,44 +5665,19 @@
             </a:pPr>
             <a:r>
               <a:rPr lang="ru-RU" dirty="0">
-                <a:latin typeface="Segoe UI Light"/>
-                <a:cs typeface="Segoe UI Light"/>
+                <a:latin typeface="Segoe UI Light" panose="020B0502040204020203"/>
+                <a:cs typeface="Segoe UI" panose="020B0502040204020203"/>
               </a:rPr>
-              <a:t>1) Пароль генерировался из одного символа;</a:t>
-            </a:r>
-          </a:p>
-          <a:p>
-            <a:pPr marL="0" indent="0">
-              <a:buNone/>
-            </a:pPr>
-            <a:r>
-              <a:rPr lang="ru-RU" dirty="0">
-                <a:latin typeface="Segoe UI Light"/>
-                <a:cs typeface="Segoe UI Light"/>
-              </a:rPr>
-              <a:t>2) Программа закрывалась сразу же после выполнения;</a:t>
-            </a:r>
-          </a:p>
-          <a:p>
-            <a:pPr marL="0" indent="0">
-              <a:buNone/>
-            </a:pPr>
-            <a:r>
-              <a:rPr lang="ru-RU" dirty="0">
-                <a:latin typeface="Segoe UI Light"/>
-                <a:cs typeface="Segoe UI Light"/>
-              </a:rPr>
-              <a:t>3) При перестановке символов в мастер-пароле выдаваемый пароль не менялся.</a:t>
-            </a:r>
+              <a:t>Также интересный факт: код переделывался с нуля 3 раза.</a:t>
+            </a:r>
+            <a:endParaRPr lang="ru-RU" dirty="0">
+              <a:latin typeface="Segoe UI Light" panose="020B0502040204020203"/>
+              <a:cs typeface="Segoe UI" panose="020B0502040204020203"/>
+            </a:endParaRPr>
           </a:p>
         </p:txBody>
       </p:sp>
     </p:spTree>
-    <p:extLst>
-      <p:ext uri="{BB962C8B-B14F-4D97-AF65-F5344CB8AC3E}">
-        <p14:creationId xmlns:p14="http://schemas.microsoft.com/office/powerpoint/2010/main" val="2264963534"/>
-      </p:ext>
-    </p:extLst>
   </p:cSld>
   <p:clrMapOvr>
     <a:masterClrMapping/>
@@ -6472,13 +5707,7 @@
       </p:grpSpPr>
       <p:sp>
         <p:nvSpPr>
-          <p:cNvPr id="2" name="Заголовок 1">
-            <a:extLst>
-              <a:ext uri="{FF2B5EF4-FFF2-40B4-BE49-F238E27FC236}">
-                <a16:creationId xmlns:a16="http://schemas.microsoft.com/office/drawing/2014/main" id="{0C3BA71C-8E1F-B4E8-FAD9-8DC327B3F2F4}"/>
-              </a:ext>
-            </a:extLst>
-          </p:cNvPr>
+          <p:cNvPr id="2" name="Заголовок 1"/>
           <p:cNvSpPr>
             <a:spLocks noGrp="1"/>
           </p:cNvSpPr>
@@ -6493,23 +5722,18 @@
           <a:p>
             <a:r>
               <a:rPr lang="ru-RU" sz="4300" b="1" dirty="0">
-                <a:latin typeface="Segoe UI"/>
-                <a:cs typeface="Segoe UI"/>
+                <a:latin typeface="Segoe UI" panose="020B0502040204020203"/>
+                <a:cs typeface="Segoe UI" panose="020B0502040204020203"/>
               </a:rPr>
-              <a:t>Изученный материал</a:t>
-            </a:r>
-          </a:p>
-        </p:txBody>
-      </p:sp>
-      <p:sp>
-        <p:nvSpPr>
-          <p:cNvPr id="3" name="Объект 2">
-            <a:extLst>
-              <a:ext uri="{FF2B5EF4-FFF2-40B4-BE49-F238E27FC236}">
-                <a16:creationId xmlns:a16="http://schemas.microsoft.com/office/drawing/2014/main" id="{50BC2977-7FF2-B1DF-C3C1-7976A1DF24C9}"/>
-              </a:ext>
-            </a:extLst>
-          </p:cNvPr>
+              <a:t>Трудности</a:t>
+            </a:r>
+            <a:endParaRPr lang="ru-RU" dirty="0"/>
+          </a:p>
+        </p:txBody>
+      </p:sp>
+      <p:sp>
+        <p:nvSpPr>
+          <p:cNvPr id="3" name="Объект 2"/>
           <p:cNvSpPr>
             <a:spLocks noGrp="1"/>
           </p:cNvSpPr>
@@ -6529,26 +5753,47 @@
             </a:pPr>
             <a:r>
               <a:rPr lang="ru-RU" dirty="0">
-                <a:latin typeface="Segoe UI Light"/>
-                <a:cs typeface="Segoe UI Light"/>
+                <a:latin typeface="Segoe UI Light" panose="020B0502040204020203"/>
+                <a:cs typeface="Segoe UI Light" panose="020B0502040204020203"/>
               </a:rPr>
-              <a:t>1) Функция </a:t>
-            </a:r>
-            <a:r>
-              <a:rPr lang="ru-RU" dirty="0" err="1">
-                <a:latin typeface="Segoe UI Light"/>
-                <a:cs typeface="Segoe UI Light"/>
+              <a:t>Трудности, которые возникали у меня при работе с проектом:</a:t>
+            </a:r>
+            <a:endParaRPr lang="ru-RU" dirty="0">
+              <a:latin typeface="Segoe UI Light" panose="020B0502040204020203"/>
+              <a:cs typeface="Segoe UI Light" panose="020B0502040204020203"/>
+            </a:endParaRPr>
+          </a:p>
+          <a:p>
+            <a:pPr marL="0" indent="0">
+              <a:buNone/>
+            </a:pPr>
+            <a:r>
+              <a:rPr lang="ru-RU" dirty="0">
+                <a:latin typeface="Segoe UI Light" panose="020B0502040204020203"/>
+                <a:cs typeface="Segoe UI Light" panose="020B0502040204020203"/>
               </a:rPr>
-              <a:t>cin.get</a:t>
-            </a:r>
+              <a:t>1) Пароль генерировался из одного символа;</a:t>
+            </a:r>
+            <a:endParaRPr lang="ru-RU" dirty="0">
+              <a:latin typeface="Segoe UI Light" panose="020B0502040204020203"/>
+              <a:cs typeface="Segoe UI Light" panose="020B0502040204020203"/>
+            </a:endParaRPr>
+          </a:p>
+          <a:p>
+            <a:pPr marL="0" indent="0">
+              <a:buNone/>
+            </a:pPr>
             <a:r>
               <a:rPr lang="ru-RU" dirty="0">
-                <a:latin typeface="Segoe UI Light"/>
-                <a:cs typeface="Segoe UI Light"/>
+                <a:latin typeface="Segoe UI Light" panose="020B0502040204020203"/>
+                <a:cs typeface="Segoe UI Light" panose="020B0502040204020203"/>
               </a:rPr>
-              <a:t>();</a:t>
-            </a:r>
-            <a:endParaRPr lang="ru-RU" dirty="0"/>
+              <a:t>2) Программа закрывалась сразу же после выполнения;</a:t>
+            </a:r>
+            <a:endParaRPr lang="ru-RU" dirty="0">
+              <a:latin typeface="Segoe UI Light" panose="020B0502040204020203"/>
+              <a:cs typeface="Segoe UI Light" panose="020B0502040204020203"/>
+            </a:endParaRPr>
           </a:p>
           <a:p>
             <a:pPr marL="0" indent="0">
@@ -6556,51 +5801,19 @@
             </a:pPr>
             <a:r>
               <a:rPr lang="ru-RU" dirty="0">
-                <a:latin typeface="Segoe UI Light"/>
-                <a:cs typeface="Segoe UI Light"/>
+                <a:latin typeface="Segoe UI Light" panose="020B0502040204020203"/>
+                <a:cs typeface="Segoe UI Light" panose="020B0502040204020203"/>
               </a:rPr>
-              <a:t>2) Функция </a:t>
-            </a:r>
-            <a:r>
-              <a:rPr lang="ru-RU" dirty="0" err="1">
-                <a:latin typeface="Segoe UI Light"/>
-                <a:cs typeface="Segoe UI Light"/>
-              </a:rPr>
-              <a:t>srand</a:t>
-            </a:r>
-            <a:r>
-              <a:rPr lang="ru-RU" dirty="0">
-                <a:latin typeface="Segoe UI Light"/>
-                <a:cs typeface="Segoe UI Light"/>
-              </a:rPr>
-              <a:t>(); </a:t>
-            </a:r>
-            <a:endParaRPr lang="ru-RU">
-              <a:latin typeface="Segoe UI Light"/>
-              <a:cs typeface="Segoe UI Light"/>
+              <a:t>3) При перестановке символов в мастер-пароле выдаваемый пароль не менялся.</a:t>
+            </a:r>
+            <a:endParaRPr lang="ru-RU" dirty="0">
+              <a:latin typeface="Segoe UI Light" panose="020B0502040204020203"/>
+              <a:cs typeface="Segoe UI Light" panose="020B0502040204020203"/>
             </a:endParaRPr>
           </a:p>
-          <a:p>
-            <a:pPr marL="0" indent="0">
-              <a:buNone/>
-            </a:pPr>
-            <a:r>
-              <a:rPr lang="ru-RU" dirty="0">
-                <a:latin typeface="Segoe UI Light"/>
-                <a:cs typeface="Segoe UI Light"/>
-              </a:rPr>
-              <a:t>3) Заголовочные файлы (.h)</a:t>
-            </a:r>
-            <a:endParaRPr lang="ru-RU" dirty="0"/>
-          </a:p>
         </p:txBody>
       </p:sp>
     </p:spTree>
-    <p:extLst>
-      <p:ext uri="{BB962C8B-B14F-4D97-AF65-F5344CB8AC3E}">
-        <p14:creationId xmlns:p14="http://schemas.microsoft.com/office/powerpoint/2010/main" val="1168825338"/>
-      </p:ext>
-    </p:extLst>
   </p:cSld>
   <p:clrMapOvr>
     <a:masterClrMapping/>
@@ -6630,13 +5843,7 @@
       </p:grpSpPr>
       <p:sp>
         <p:nvSpPr>
-          <p:cNvPr id="2" name="Заголовок 1">
-            <a:extLst>
-              <a:ext uri="{FF2B5EF4-FFF2-40B4-BE49-F238E27FC236}">
-                <a16:creationId xmlns:a16="http://schemas.microsoft.com/office/drawing/2014/main" id="{9912AC30-7CAA-9AE8-4DCE-469C5709CB00}"/>
-              </a:ext>
-            </a:extLst>
-          </p:cNvPr>
+          <p:cNvPr id="2" name="Заголовок 1"/>
           <p:cNvSpPr>
             <a:spLocks noGrp="1"/>
           </p:cNvSpPr>
@@ -6646,30 +5853,26 @@
         </p:nvSpPr>
         <p:spPr/>
         <p:txBody>
-          <a:bodyPr>
-            <a:normAutofit/>
-          </a:bodyPr>
+          <a:bodyPr/>
           <a:lstStyle/>
           <a:p>
             <a:r>
               <a:rPr lang="ru-RU" sz="4300" b="1" dirty="0">
-                <a:latin typeface="Segoe UI"/>
-                <a:cs typeface="Segoe UI"/>
+                <a:latin typeface="Segoe UI" panose="020B0502040204020203"/>
+                <a:cs typeface="Segoe UI" panose="020B0502040204020203"/>
               </a:rPr>
-              <a:t>Выводы</a:t>
-            </a:r>
-          </a:p>
-        </p:txBody>
-      </p:sp>
-      <p:sp>
-        <p:nvSpPr>
-          <p:cNvPr id="3" name="Объект 2">
-            <a:extLst>
-              <a:ext uri="{FF2B5EF4-FFF2-40B4-BE49-F238E27FC236}">
-                <a16:creationId xmlns:a16="http://schemas.microsoft.com/office/drawing/2014/main" id="{9F14B734-988B-EEED-5F5F-E64735FD5862}"/>
-              </a:ext>
-            </a:extLst>
-          </p:cNvPr>
+              <a:t>Изученный материал</a:t>
+            </a:r>
+            <a:endParaRPr lang="ru-RU" sz="4300" b="1" dirty="0">
+              <a:latin typeface="Segoe UI" panose="020B0502040204020203"/>
+              <a:cs typeface="Segoe UI" panose="020B0502040204020203"/>
+            </a:endParaRPr>
+          </a:p>
+        </p:txBody>
+      </p:sp>
+      <p:sp>
+        <p:nvSpPr>
+          <p:cNvPr id="3" name="Объект 2"/>
           <p:cNvSpPr>
             <a:spLocks noGrp="1"/>
           </p:cNvSpPr>
@@ -6689,52 +5892,73 @@
             </a:pPr>
             <a:r>
               <a:rPr lang="ru-RU" dirty="0">
-                <a:latin typeface="Segoe UI Light"/>
-                <a:cs typeface="Segoe UI Light"/>
+                <a:latin typeface="Segoe UI Light" panose="020B0502040204020203"/>
+                <a:cs typeface="Segoe UI Light" panose="020B0502040204020203"/>
               </a:rPr>
-              <a:t>Генерация при помощи псевдо-</a:t>
+              <a:t>1) Функция </a:t>
             </a:r>
             <a:r>
               <a:rPr lang="ru-RU" dirty="0" err="1">
-                <a:latin typeface="Segoe UI Light"/>
-                <a:cs typeface="Segoe UI Light"/>
+                <a:latin typeface="Segoe UI Light" panose="020B0502040204020203"/>
+                <a:cs typeface="Segoe UI Light" panose="020B0502040204020203"/>
               </a:rPr>
-              <a:t>рандома</a:t>
+              <a:t>cin.get</a:t>
             </a:r>
             <a:r>
               <a:rPr lang="ru-RU" dirty="0">
-                <a:latin typeface="Segoe UI Light"/>
-                <a:cs typeface="Segoe UI Light"/>
+                <a:latin typeface="Segoe UI Light" panose="020B0502040204020203"/>
+                <a:cs typeface="Segoe UI Light" panose="020B0502040204020203"/>
               </a:rPr>
-              <a:t> на C++ довольно сложная, но одновременно и довольно интересная вещь.</a:t>
-            </a:r>
+              <a:t>();</a:t>
+            </a:r>
+            <a:endParaRPr lang="ru-RU" dirty="0"/>
           </a:p>
           <a:p>
             <a:pPr marL="0" indent="0">
               <a:buNone/>
             </a:pPr>
-            <a:endParaRPr lang="ru-RU" dirty="0">
-              <a:latin typeface="Segoe UI Light"/>
-              <a:cs typeface="Segoe UI Light"/>
+            <a:r>
+              <a:rPr lang="ru-RU" dirty="0">
+                <a:latin typeface="Segoe UI Light" panose="020B0502040204020203"/>
+                <a:cs typeface="Segoe UI Light" panose="020B0502040204020203"/>
+              </a:rPr>
+              <a:t>2) Функция </a:t>
+            </a:r>
+            <a:r>
+              <a:rPr lang="ru-RU" dirty="0" err="1">
+                <a:latin typeface="Segoe UI Light" panose="020B0502040204020203"/>
+                <a:cs typeface="Segoe UI Light" panose="020B0502040204020203"/>
+              </a:rPr>
+              <a:t>srand</a:t>
+            </a:r>
+            <a:r>
+              <a:rPr lang="ru-RU" dirty="0">
+                <a:latin typeface="Segoe UI Light" panose="020B0502040204020203"/>
+                <a:cs typeface="Segoe UI Light" panose="020B0502040204020203"/>
+              </a:rPr>
+              <a:t>(); </a:t>
+            </a:r>
+            <a:endParaRPr lang="ru-RU">
+              <a:latin typeface="Segoe UI Light" panose="020B0502040204020203"/>
+              <a:cs typeface="Segoe UI Light" panose="020B0502040204020203"/>
             </a:endParaRPr>
           </a:p>
           <a:p>
             <a:pPr marL="0" indent="0">
               <a:buNone/>
             </a:pPr>
-            <a:endParaRPr lang="ru-RU" dirty="0">
-              <a:latin typeface="Segoe UI Light"/>
-              <a:cs typeface="Segoe UI Light"/>
-            </a:endParaRPr>
+            <a:r>
+              <a:rPr lang="ru-RU" dirty="0">
+                <a:latin typeface="Segoe UI Light" panose="020B0502040204020203"/>
+                <a:cs typeface="Segoe UI Light" panose="020B0502040204020203"/>
+              </a:rPr>
+              <a:t>3) Заголовочные файлы (.h)</a:t>
+            </a:r>
+            <a:endParaRPr lang="ru-RU" dirty="0"/>
           </a:p>
         </p:txBody>
       </p:sp>
     </p:spTree>
-    <p:extLst>
-      <p:ext uri="{BB962C8B-B14F-4D97-AF65-F5344CB8AC3E}">
-        <p14:creationId xmlns:p14="http://schemas.microsoft.com/office/powerpoint/2010/main" val="2338960614"/>
-      </p:ext>
-    </p:extLst>
   </p:cSld>
   <p:clrMapOvr>
     <a:masterClrMapping/>
@@ -6746,6 +5970,147 @@
 </file>
 
 <file path=ppt/slides/slide8.xml><?xml version="1.0" encoding="utf-8"?>
+<p:sld xmlns:a="http://schemas.openxmlformats.org/drawingml/2006/main" xmlns:r="http://schemas.openxmlformats.org/officeDocument/2006/relationships" xmlns:p="http://schemas.openxmlformats.org/presentationml/2006/main">
+  <p:cSld>
+    <p:spTree>
+      <p:nvGrpSpPr>
+        <p:cNvPr id="1" name=""/>
+        <p:cNvGrpSpPr/>
+        <p:nvPr/>
+      </p:nvGrpSpPr>
+      <p:grpSpPr>
+        <a:xfrm>
+          <a:off x="0" y="0"/>
+          <a:ext cx="0" cy="0"/>
+          <a:chOff x="0" y="0"/>
+          <a:chExt cx="0" cy="0"/>
+        </a:xfrm>
+      </p:grpSpPr>
+      <p:sp>
+        <p:nvSpPr>
+          <p:cNvPr id="2" name="Заголовок 1"/>
+          <p:cNvSpPr>
+            <a:spLocks noGrp="1"/>
+          </p:cNvSpPr>
+          <p:nvPr>
+            <p:ph type="title"/>
+          </p:nvPr>
+        </p:nvSpPr>
+        <p:spPr/>
+        <p:txBody>
+          <a:bodyPr>
+            <a:normAutofit/>
+          </a:bodyPr>
+          <a:lstStyle/>
+          <a:p>
+            <a:r>
+              <a:rPr lang="ru-RU" sz="4300" b="1" dirty="0">
+                <a:latin typeface="Segoe UI" panose="020B0502040204020203"/>
+                <a:cs typeface="Segoe UI" panose="020B0502040204020203"/>
+              </a:rPr>
+              <a:t>Выводы</a:t>
+            </a:r>
+            <a:endParaRPr lang="ru-RU" sz="4300" b="1" dirty="0">
+              <a:latin typeface="Segoe UI" panose="020B0502040204020203"/>
+              <a:cs typeface="Segoe UI" panose="020B0502040204020203"/>
+            </a:endParaRPr>
+          </a:p>
+        </p:txBody>
+      </p:sp>
+      <p:sp>
+        <p:nvSpPr>
+          <p:cNvPr id="3" name="Объект 2"/>
+          <p:cNvSpPr>
+            <a:spLocks noGrp="1"/>
+          </p:cNvSpPr>
+          <p:nvPr>
+            <p:ph idx="1"/>
+          </p:nvPr>
+        </p:nvSpPr>
+        <p:spPr/>
+        <p:txBody>
+          <a:bodyPr vert="horz" lIns="91440" tIns="45720" rIns="91440" bIns="45720" rtlCol="0" anchor="t">
+            <a:normAutofit/>
+          </a:bodyPr>
+          <a:lstStyle/>
+          <a:p>
+            <a:pPr marL="0" indent="0">
+              <a:buNone/>
+            </a:pPr>
+            <a:r>
+              <a:rPr lang="ru-RU" dirty="0">
+                <a:latin typeface="Segoe UI Light" panose="020B0502040204020203"/>
+                <a:cs typeface="Segoe UI Light" panose="020B0502040204020203"/>
+              </a:rPr>
+              <a:t>Я сделал программу, которая генерирует пароли, используя «случайную» генерацию.</a:t>
+            </a:r>
+            <a:endParaRPr lang="ru-RU" dirty="0">
+              <a:latin typeface="Segoe UI Light" panose="020B0502040204020203"/>
+              <a:cs typeface="Segoe UI Light" panose="020B0502040204020203"/>
+            </a:endParaRPr>
+          </a:p>
+          <a:p>
+            <a:pPr marL="0" indent="0">
+              <a:buNone/>
+            </a:pPr>
+            <a:r>
+              <a:rPr lang="ru-RU" dirty="0">
+                <a:latin typeface="Segoe UI Light" panose="020B0502040204020203"/>
+                <a:cs typeface="Segoe UI Light" panose="020B0502040204020203"/>
+              </a:rPr>
+              <a:t>Генерация при помощи псевдо-</a:t>
+            </a:r>
+            <a:r>
+              <a:rPr lang="ru-RU" dirty="0" err="1">
+                <a:latin typeface="Segoe UI Light" panose="020B0502040204020203"/>
+                <a:cs typeface="Segoe UI Light" panose="020B0502040204020203"/>
+              </a:rPr>
+              <a:t>рандома</a:t>
+            </a:r>
+            <a:r>
+              <a:rPr lang="ru-RU" dirty="0">
+                <a:latin typeface="Segoe UI Light" panose="020B0502040204020203"/>
+                <a:cs typeface="Segoe UI Light" panose="020B0502040204020203"/>
+              </a:rPr>
+              <a:t> на C++ довольно сложная, но одновременно и довольно интересная вещь.</a:t>
+            </a:r>
+            <a:endParaRPr lang="ru-RU" dirty="0">
+              <a:latin typeface="Segoe UI Light" panose="020B0502040204020203"/>
+              <a:cs typeface="Segoe UI Light" panose="020B0502040204020203"/>
+            </a:endParaRPr>
+          </a:p>
+          <a:p>
+            <a:pPr marL="0" indent="0">
+              <a:buNone/>
+            </a:pPr>
+            <a:endParaRPr lang="ru-RU" dirty="0">
+              <a:latin typeface="Segoe UI Light" panose="020B0502040204020203"/>
+              <a:cs typeface="Segoe UI Light" panose="020B0502040204020203"/>
+            </a:endParaRPr>
+          </a:p>
+          <a:p>
+            <a:pPr marL="0" indent="0">
+              <a:buNone/>
+            </a:pPr>
+            <a:endParaRPr lang="ru-RU" dirty="0">
+              <a:latin typeface="Segoe UI Light" panose="020B0502040204020203"/>
+              <a:cs typeface="Segoe UI Light" panose="020B0502040204020203"/>
+            </a:endParaRPr>
+          </a:p>
+        </p:txBody>
+      </p:sp>
+    </p:spTree>
+  </p:cSld>
+  <p:clrMapOvr>
+    <a:masterClrMapping/>
+  </p:clrMapOvr>
+  <p:transition spd="slow">
+    <p:wipe/>
+  </p:transition>
+</p:sld>
+</file>
+
+<file path=ppt/slides/slide9.xml><?xml version="1.0" encoding="utf-8"?>
 <p:sld xmlns:a="http://schemas.openxmlformats.org/drawingml/2006/main" xmlns:r="http://schemas.openxmlformats.org/officeDocument/2006/relationships" xmlns:p="http://schemas.openxmlformats.org/presentationml/2006/main">
   <p:cSld>
     <p:bg>
@@ -6772,26 +6137,11 @@
       </p:grpSpPr>
       <p:sp>
         <p:nvSpPr>
-          <p:cNvPr id="11" name="Rectangle 10">
-            <a:extLst>
-              <a:ext uri="{FF2B5EF4-FFF2-40B4-BE49-F238E27FC236}">
-                <a16:creationId xmlns:a16="http://schemas.microsoft.com/office/drawing/2014/main" id="{8D06CE56-3881-4ADA-8CEF-D18B02C242A3}"/>
-              </a:ext>
-              <a:ext uri="{C183D7F6-B498-43B3-948B-1728B52AA6E4}">
-                <adec:decorative xmlns:adec="http://schemas.microsoft.com/office/drawing/2017/decorative" val="1"/>
-              </a:ext>
-            </a:extLst>
-          </p:cNvPr>
+          <p:cNvPr id="11" name="Rectangle 10"/>
           <p:cNvSpPr>
             <a:spLocks noGrp="1" noRot="1" noChangeAspect="1" noMove="1" noResize="1" noEditPoints="1" noAdjustHandles="1" noChangeArrowheads="1" noChangeShapeType="1" noTextEdit="1"/>
           </p:cNvSpPr>
-          <p:nvPr>
-            <p:extLst>
-              <p:ext uri="{386F3935-93C4-4BCD-93E2-E3B085C9AB24}">
-                <p16:designElem xmlns:p16="http://schemas.microsoft.com/office/powerpoint/2015/main" val="1"/>
-              </p:ext>
-            </p:extLst>
-          </p:nvPr>
+          <p:nvPr/>
         </p:nvSpPr>
         <p:spPr>
           <a:xfrm rot="5400000">
@@ -6842,7 +6192,6 @@
               <a:buSzTx/>
               <a:buFontTx/>
               <a:buNone/>
-              <a:tabLst/>
               <a:defRPr/>
             </a:pPr>
             <a:endParaRPr kumimoji="0" lang="en-US" sz="1800" b="0" i="0" u="none" strike="noStrike" kern="1200" cap="none" spc="0" normalizeH="0" baseline="0" noProof="0">
@@ -6864,26 +6213,11 @@
       </p:sp>
       <p:sp>
         <p:nvSpPr>
-          <p:cNvPr id="13" name="Rectangle 12">
-            <a:extLst>
-              <a:ext uri="{FF2B5EF4-FFF2-40B4-BE49-F238E27FC236}">
-                <a16:creationId xmlns:a16="http://schemas.microsoft.com/office/drawing/2014/main" id="{79F3C543-62EC-4433-9C93-A2CD8764E9B4}"/>
-              </a:ext>
-              <a:ext uri="{C183D7F6-B498-43B3-948B-1728B52AA6E4}">
-                <adec:decorative xmlns:adec="http://schemas.microsoft.com/office/drawing/2017/decorative" val="1"/>
-              </a:ext>
-            </a:extLst>
-          </p:cNvPr>
+          <p:cNvPr id="13" name="Rectangle 12"/>
           <p:cNvSpPr>
             <a:spLocks noGrp="1" noRot="1" noChangeAspect="1" noMove="1" noResize="1" noEditPoints="1" noAdjustHandles="1" noChangeArrowheads="1" noChangeShapeType="1" noTextEdit="1"/>
           </p:cNvSpPr>
-          <p:nvPr>
-            <p:extLst>
-              <p:ext uri="{386F3935-93C4-4BCD-93E2-E3B085C9AB24}">
-                <p16:designElem xmlns:p16="http://schemas.microsoft.com/office/powerpoint/2015/main" val="1"/>
-              </p:ext>
-            </p:extLst>
-          </p:nvPr>
+          <p:nvPr/>
         </p:nvSpPr>
         <p:spPr>
           <a:xfrm flipV="1">
@@ -6938,7 +6272,6 @@
               <a:buSzTx/>
               <a:buFontTx/>
               <a:buNone/>
-              <a:tabLst/>
               <a:defRPr/>
             </a:pPr>
             <a:endParaRPr kumimoji="0" lang="en-US" sz="1800" b="0" i="0" u="none" strike="noStrike" kern="1200" cap="none" spc="0" normalizeH="0" baseline="0" noProof="0">
@@ -6960,26 +6293,11 @@
       </p:sp>
       <p:sp useBgFill="1">
         <p:nvSpPr>
-          <p:cNvPr id="15" name="Rectangle 14">
-            <a:extLst>
-              <a:ext uri="{FF2B5EF4-FFF2-40B4-BE49-F238E27FC236}">
-                <a16:creationId xmlns:a16="http://schemas.microsoft.com/office/drawing/2014/main" id="{F1C4E306-BC28-4A7B-871B-1926F6FA6EF3}"/>
-              </a:ext>
-              <a:ext uri="{C183D7F6-B498-43B3-948B-1728B52AA6E4}">
-                <adec:decorative xmlns:adec="http://schemas.microsoft.com/office/drawing/2017/decorative" val="1"/>
-              </a:ext>
-            </a:extLst>
-          </p:cNvPr>
+          <p:cNvPr id="15" name="Rectangle 14"/>
           <p:cNvSpPr>
             <a:spLocks noGrp="1" noRot="1" noChangeAspect="1" noMove="1" noResize="1" noEditPoints="1" noAdjustHandles="1" noChangeArrowheads="1" noChangeShapeType="1" noTextEdit="1"/>
           </p:cNvSpPr>
-          <p:nvPr>
-            <p:extLst>
-              <p:ext uri="{386F3935-93C4-4BCD-93E2-E3B085C9AB24}">
-                <p16:designElem xmlns:p16="http://schemas.microsoft.com/office/powerpoint/2015/main" val="1"/>
-              </p:ext>
-            </p:extLst>
-          </p:nvPr>
+          <p:nvPr/>
         </p:nvSpPr>
         <p:spPr>
           <a:xfrm>
@@ -7020,26 +6338,11 @@
       </p:sp>
       <p:sp useBgFill="1">
         <p:nvSpPr>
-          <p:cNvPr id="17" name="Freeform: Shape 16">
-            <a:extLst>
-              <a:ext uri="{FF2B5EF4-FFF2-40B4-BE49-F238E27FC236}">
-                <a16:creationId xmlns:a16="http://schemas.microsoft.com/office/drawing/2014/main" id="{C3ECC9B4-989C-4F71-A6BC-DEBC1D9FD0BD}"/>
-              </a:ext>
-              <a:ext uri="{C183D7F6-B498-43B3-948B-1728B52AA6E4}">
-                <adec:decorative xmlns:adec="http://schemas.microsoft.com/office/drawing/2017/decorative" val="1"/>
-              </a:ext>
-            </a:extLst>
-          </p:cNvPr>
+          <p:cNvPr id="17" name="Freeform: Shape 16"/>
           <p:cNvSpPr>
             <a:spLocks noGrp="1" noRot="1" noChangeAspect="1" noMove="1" noResize="1" noEditPoints="1" noAdjustHandles="1" noChangeArrowheads="1" noChangeShapeType="1" noTextEdit="1"/>
           </p:cNvSpPr>
-          <p:nvPr>
-            <p:extLst>
-              <p:ext uri="{386F3935-93C4-4BCD-93E2-E3B085C9AB24}">
-                <p16:designElem xmlns:p16="http://schemas.microsoft.com/office/powerpoint/2015/main" val="1"/>
-              </p:ext>
-            </p:extLst>
-          </p:nvPr>
+          <p:nvPr/>
         </p:nvSpPr>
         <p:spPr>
           <a:xfrm>
@@ -7173,7 +6476,6 @@
               <a:buSzTx/>
               <a:buFontTx/>
               <a:buNone/>
-              <a:tabLst/>
               <a:defRPr/>
             </a:pPr>
             <a:endParaRPr kumimoji="0" lang="en-US" sz="1800" b="0" i="0" u="none" strike="noStrike" kern="1200" cap="none" spc="0" normalizeH="0" baseline="0" noProof="0">
@@ -7195,26 +6497,11 @@
       </p:sp>
       <p:sp useBgFill="1">
         <p:nvSpPr>
-          <p:cNvPr id="19" name="Freeform: Shape 18">
-            <a:extLst>
-              <a:ext uri="{FF2B5EF4-FFF2-40B4-BE49-F238E27FC236}">
-                <a16:creationId xmlns:a16="http://schemas.microsoft.com/office/drawing/2014/main" id="{7948E8DE-A931-4EF0-BE1D-F1027474099B}"/>
-              </a:ext>
-              <a:ext uri="{C183D7F6-B498-43B3-948B-1728B52AA6E4}">
-                <adec:decorative xmlns:adec="http://schemas.microsoft.com/office/drawing/2017/decorative" val="1"/>
-              </a:ext>
-            </a:extLst>
-          </p:cNvPr>
+          <p:cNvPr id="19" name="Freeform: Shape 18"/>
           <p:cNvSpPr>
             <a:spLocks noGrp="1" noRot="1" noChangeAspect="1" noMove="1" noResize="1" noEditPoints="1" noAdjustHandles="1" noChangeArrowheads="1" noChangeShapeType="1" noTextEdit="1"/>
           </p:cNvSpPr>
-          <p:nvPr>
-            <p:extLst>
-              <p:ext uri="{386F3935-93C4-4BCD-93E2-E3B085C9AB24}">
-                <p16:designElem xmlns:p16="http://schemas.microsoft.com/office/powerpoint/2015/main" val="1"/>
-              </p:ext>
-            </p:extLst>
-          </p:nvPr>
+          <p:nvPr/>
         </p:nvSpPr>
         <p:spPr>
           <a:xfrm>
@@ -7336,7 +6623,6 @@
               <a:buSzTx/>
               <a:buFontTx/>
               <a:buNone/>
-              <a:tabLst/>
               <a:defRPr/>
             </a:pPr>
             <a:endParaRPr kumimoji="0" lang="en-US" sz="1800" b="0" i="0" u="none" strike="noStrike" kern="1200" cap="none" spc="0" normalizeH="0" baseline="0" noProof="0">
@@ -7358,13 +6644,7 @@
       </p:sp>
       <p:sp>
         <p:nvSpPr>
-          <p:cNvPr id="2" name="Заголовок 1">
-            <a:extLst>
-              <a:ext uri="{FF2B5EF4-FFF2-40B4-BE49-F238E27FC236}">
-                <a16:creationId xmlns:a16="http://schemas.microsoft.com/office/drawing/2014/main" id="{4B393130-CEC2-C454-C6AB-7ECBDC3D18B1}"/>
-              </a:ext>
-            </a:extLst>
-          </p:cNvPr>
+          <p:cNvPr id="2" name="Заголовок 1"/>
           <p:cNvSpPr>
             <a:spLocks noGrp="1"/>
           </p:cNvSpPr>
@@ -7386,71 +6666,60 @@
           <a:p>
             <a:r>
               <a:rPr lang="en-US" sz="7200" b="1" dirty="0" err="1">
-                <a:latin typeface="Segoe UI"/>
-                <a:cs typeface="Segoe UI"/>
+                <a:latin typeface="Segoe UI" panose="020B0502040204020203"/>
+                <a:cs typeface="Segoe UI" panose="020B0502040204020203"/>
               </a:rPr>
               <a:t>Спасибо</a:t>
             </a:r>
             <a:r>
               <a:rPr lang="en-US" sz="7200" b="1" dirty="0">
-                <a:latin typeface="Segoe UI"/>
-                <a:cs typeface="Segoe UI"/>
+                <a:latin typeface="Segoe UI" panose="020B0502040204020203"/>
+                <a:cs typeface="Segoe UI" panose="020B0502040204020203"/>
               </a:rPr>
               <a:t> </a:t>
             </a:r>
             <a:r>
               <a:rPr lang="en-US" sz="7200" b="1" dirty="0" err="1">
-                <a:latin typeface="Segoe UI"/>
-                <a:cs typeface="Segoe UI"/>
+                <a:latin typeface="Segoe UI" panose="020B0502040204020203"/>
+                <a:cs typeface="Segoe UI" panose="020B0502040204020203"/>
               </a:rPr>
               <a:t>за</a:t>
             </a:r>
             <a:r>
               <a:rPr lang="en-US" sz="7200" b="1" dirty="0">
-                <a:latin typeface="Segoe UI"/>
-                <a:cs typeface="Segoe UI"/>
+                <a:latin typeface="Segoe UI" panose="020B0502040204020203"/>
+                <a:cs typeface="Segoe UI" panose="020B0502040204020203"/>
               </a:rPr>
               <a:t> </a:t>
             </a:r>
             <a:r>
               <a:rPr lang="en-US" sz="7200" b="1" dirty="0" err="1">
-                <a:latin typeface="Segoe UI"/>
-                <a:cs typeface="Segoe UI"/>
+                <a:latin typeface="Segoe UI" panose="020B0502040204020203"/>
+                <a:cs typeface="Segoe UI" panose="020B0502040204020203"/>
               </a:rPr>
               <a:t>внимание</a:t>
             </a:r>
             <a:r>
               <a:rPr lang="en-US" sz="7200" b="1" dirty="0">
-                <a:latin typeface="Segoe UI"/>
-                <a:cs typeface="Segoe UI"/>
+                <a:latin typeface="Segoe UI" panose="020B0502040204020203"/>
+                <a:cs typeface="Segoe UI" panose="020B0502040204020203"/>
               </a:rPr>
               <a:t>!</a:t>
             </a:r>
-          </a:p>
-        </p:txBody>
-      </p:sp>
-      <p:sp>
-        <p:nvSpPr>
-          <p:cNvPr id="21" name="Rectangle 20">
-            <a:extLst>
-              <a:ext uri="{FF2B5EF4-FFF2-40B4-BE49-F238E27FC236}">
-                <a16:creationId xmlns:a16="http://schemas.microsoft.com/office/drawing/2014/main" id="{B0E4BB4F-99AB-4C4E-A763-C5AC5273DF5D}"/>
-              </a:ext>
-              <a:ext uri="{C183D7F6-B498-43B3-948B-1728B52AA6E4}">
-                <adec:decorative xmlns:adec="http://schemas.microsoft.com/office/drawing/2017/decorative" val="1"/>
-              </a:ext>
-            </a:extLst>
-          </p:cNvPr>
+            <a:endParaRPr lang="en-US" sz="7200" b="1" dirty="0">
+              <a:latin typeface="Segoe UI" panose="020B0502040204020203"/>
+              <a:cs typeface="Segoe UI" panose="020B0502040204020203"/>
+            </a:endParaRPr>
+          </a:p>
+        </p:txBody>
+      </p:sp>
+      <p:sp>
+        <p:nvSpPr>
+          <p:cNvPr id="21" name="Rectangle 20"/>
           <p:cNvSpPr>
             <a:spLocks noGrp="1" noRot="1" noChangeAspect="1" noMove="1" noResize="1" noEditPoints="1" noAdjustHandles="1" noChangeArrowheads="1" noChangeShapeType="1" noTextEdit="1"/>
           </p:cNvSpPr>
-          <p:nvPr>
-            <p:extLst>
-              <p:ext uri="{386F3935-93C4-4BCD-93E2-E3B085C9AB24}">
-                <p16:designElem xmlns:p16="http://schemas.microsoft.com/office/powerpoint/2015/main" val="1"/>
-              </p:ext>
-            </p:extLst>
-          </p:nvPr>
+          <p:nvPr/>
         </p:nvSpPr>
         <p:spPr>
           <a:xfrm>
@@ -7501,7 +6770,6 @@
               <a:buSzTx/>
               <a:buFontTx/>
               <a:buNone/>
-              <a:tabLst/>
               <a:defRPr/>
             </a:pPr>
             <a:endParaRPr kumimoji="0" lang="en-US" sz="1800" b="0" i="0" u="none" strike="noStrike" kern="1200" cap="none" spc="0" normalizeH="0" baseline="0" noProof="0">
@@ -7522,11 +6790,6 @@
         </p:txBody>
       </p:sp>
     </p:spTree>
-    <p:extLst>
-      <p:ext uri="{BB962C8B-B14F-4D97-AF65-F5344CB8AC3E}">
-        <p14:creationId xmlns:p14="http://schemas.microsoft.com/office/powerpoint/2010/main" val="1591575309"/>
-      </p:ext>
-    </p:extLst>
   </p:cSld>
   <p:clrMapOvr>
     <a:masterClrMapping/>
@@ -7728,11 +6991,9 @@
       </a:bgFillStyleLst>
     </a:fmtScheme>
   </a:themeElements>
-  <a:objectDefaults/>
-  <a:extraClrSchemeLst/>
   <a:extLst>
     <a:ext uri="{05A4C25C-085E-4340-85A3-A5531E510DB2}">
-      <thm15:themeFamily xmlns:thm15="http://schemas.microsoft.com/office/thememl/2012/main" name="AccentBoxVTI" id="{9F778A78-DC9A-453A-A82D-A75CAD503E15}" vid="{EA961113-7CC4-4569-8A6A-7BC2C1E2F401}"/>
+      <thm15:themeFamily xmlns:thm15="http://schemas.microsoft.com/office/thememl/2012/main" name="Office Theme" id="{62F939B6-93AF-4DB8-9C6B-D6C7DFDC589F}" vid="{4A3C46E8-61CC-4603-A589-7422A47A8E4A}"/>
     </a:ext>
   </a:extLst>
 </a:theme>
